--- a/00_Python_DataScience_Syllabus.pptx
+++ b/00_Python_DataScience_Syllabus.pptx
@@ -214,7 +214,7 @@
             <a:fld id="{6837EDA8-41C8-4B24-A206-13C08A65A6D7}" type="datetimeFigureOut">
               <a:rPr lang="zh-TW" altLang="en-US" smtClean="0"/>
               <a:pPr/>
-              <a:t>2022/5/13</a:t>
+              <a:t>2022/5/15</a:t>
             </a:fld>
             <a:endParaRPr lang="zh-TW" altLang="en-US"/>
           </a:p>
@@ -752,7 +752,7 @@
             <a:fld id="{8B85509C-BD4F-47BF-9B1E-FC2E949B3621}" type="datetime1">
               <a:rPr lang="zh-TW" altLang="en-US" smtClean="0"/>
               <a:pPr/>
-              <a:t>2022/5/13</a:t>
+              <a:t>2022/5/15</a:t>
             </a:fld>
             <a:endParaRPr lang="zh-TW" altLang="en-US"/>
           </a:p>
@@ -925,7 +925,7 @@
             <a:fld id="{42251B24-F787-4C15-8A0F-7AEC20C70069}" type="datetime1">
               <a:rPr lang="zh-TW" altLang="en-US" smtClean="0"/>
               <a:pPr/>
-              <a:t>2022/5/13</a:t>
+              <a:t>2022/5/15</a:t>
             </a:fld>
             <a:endParaRPr lang="zh-TW" altLang="en-US"/>
           </a:p>
@@ -1100,7 +1100,7 @@
             <a:fld id="{9CA0D33C-CE2B-45F1-B8D4-FFD1F131F331}" type="datetime1">
               <a:rPr lang="zh-TW" altLang="en-US" smtClean="0"/>
               <a:pPr/>
-              <a:t>2022/5/13</a:t>
+              <a:t>2022/5/15</a:t>
             </a:fld>
             <a:endParaRPr lang="zh-TW" altLang="en-US"/>
           </a:p>
@@ -1265,7 +1265,7 @@
             <a:fld id="{50B99440-D9EF-40CC-9B52-F6428D9B2C76}" type="datetime1">
               <a:rPr lang="zh-TW" altLang="en-US" smtClean="0"/>
               <a:pPr/>
-              <a:t>2022/5/13</a:t>
+              <a:t>2022/5/15</a:t>
             </a:fld>
             <a:endParaRPr lang="zh-TW" altLang="en-US"/>
           </a:p>
@@ -1507,7 +1507,7 @@
             <a:fld id="{0871BF52-5C6C-4959-8E27-CECB68D39FE4}" type="datetime1">
               <a:rPr lang="zh-TW" altLang="en-US" smtClean="0"/>
               <a:pPr/>
-              <a:t>2022/5/13</a:t>
+              <a:t>2022/5/15</a:t>
             </a:fld>
             <a:endParaRPr lang="zh-TW" altLang="en-US"/>
           </a:p>
@@ -1789,7 +1789,7 @@
             <a:fld id="{DF863F05-2DD9-4EB1-A827-12FD992DE9DC}" type="datetime1">
               <a:rPr lang="zh-TW" altLang="en-US" smtClean="0"/>
               <a:pPr/>
-              <a:t>2022/5/13</a:t>
+              <a:t>2022/5/15</a:t>
             </a:fld>
             <a:endParaRPr lang="zh-TW" altLang="en-US"/>
           </a:p>
@@ -2205,7 +2205,7 @@
             <a:fld id="{6339AF51-4491-4873-A096-75DB6CE47516}" type="datetime1">
               <a:rPr lang="zh-TW" altLang="en-US" smtClean="0"/>
               <a:pPr/>
-              <a:t>2022/5/13</a:t>
+              <a:t>2022/5/15</a:t>
             </a:fld>
             <a:endParaRPr lang="zh-TW" altLang="en-US"/>
           </a:p>
@@ -2319,7 +2319,7 @@
             <a:fld id="{EE4AD9C8-8B9E-40FF-ABE2-858AC2057BBB}" type="datetime1">
               <a:rPr lang="zh-TW" altLang="en-US" smtClean="0"/>
               <a:pPr/>
-              <a:t>2022/5/13</a:t>
+              <a:t>2022/5/15</a:t>
             </a:fld>
             <a:endParaRPr lang="zh-TW" altLang="en-US"/>
           </a:p>
@@ -2411,7 +2411,7 @@
             <a:fld id="{B4784999-BBBE-4BE4-A8D0-877E7D1D66CC}" type="datetime1">
               <a:rPr lang="zh-TW" altLang="en-US" smtClean="0"/>
               <a:pPr/>
-              <a:t>2022/5/13</a:t>
+              <a:t>2022/5/15</a:t>
             </a:fld>
             <a:endParaRPr lang="zh-TW" altLang="en-US"/>
           </a:p>
@@ -2683,7 +2683,7 @@
             <a:fld id="{E88D17E6-02BD-4944-B9FE-7BFCCBF83D48}" type="datetime1">
               <a:rPr lang="zh-TW" altLang="en-US" smtClean="0"/>
               <a:pPr/>
-              <a:t>2022/5/13</a:t>
+              <a:t>2022/5/15</a:t>
             </a:fld>
             <a:endParaRPr lang="zh-TW" altLang="en-US"/>
           </a:p>
@@ -2932,7 +2932,7 @@
             <a:fld id="{3C13E23D-1FEF-4D78-A3A3-3D6F2BB31954}" type="datetime1">
               <a:rPr lang="zh-TW" altLang="en-US" smtClean="0"/>
               <a:pPr/>
-              <a:t>2022/5/13</a:t>
+              <a:t>2022/5/15</a:t>
             </a:fld>
             <a:endParaRPr lang="zh-TW" altLang="en-US"/>
           </a:p>
@@ -3140,7 +3140,7 @@
             <a:fld id="{06197F35-AD6F-4594-8B50-334492D2E7E8}" type="datetime1">
               <a:rPr lang="zh-TW" altLang="en-US" smtClean="0"/>
               <a:pPr/>
-              <a:t>2022/5/13</a:t>
+              <a:t>2022/5/15</a:t>
             </a:fld>
             <a:endParaRPr lang="zh-TW" altLang="en-US"/>
           </a:p>
@@ -3602,7 +3602,7 @@
             <a:fld id="{C389EDC9-19E3-47AC-9C57-C6A24DEA81AD}" type="datetime1">
               <a:rPr lang="zh-TW" altLang="en-US" smtClean="0"/>
               <a:pPr/>
-              <a:t>2022/5/13</a:t>
+              <a:t>2022/5/15</a:t>
             </a:fld>
             <a:endParaRPr lang="zh-TW" altLang="en-US"/>
           </a:p>
@@ -3782,7 +3782,7 @@
         <p:spPr>
           <a:xfrm>
             <a:off x="457200" y="1152181"/>
-            <a:ext cx="8352928" cy="3356939"/>
+            <a:ext cx="8352928" cy="4293043"/>
           </a:xfrm>
           <a:ln>
             <a:solidFill>
@@ -3822,13 +3822,30 @@
               <a:buChar char="u"/>
             </a:pPr>
             <a:r>
-              <a:rPr lang="en-US" sz="1800" b="1" i="0" dirty="0">
-                <a:solidFill>
-                  <a:srgbClr val="3C3B37"/>
+              <a:rPr lang="en-US" sz="1800" b="0" i="0" dirty="0">
+                <a:solidFill>
+                  <a:srgbClr val="3A3A3A"/>
                 </a:solidFill>
                 <a:effectLst/>
               </a:rPr>
-              <a:t>This course is an introductory course on fundamentals of Python programming and data structures. It covers the following: </a:t>
+              <a:t>This course is an introductory course on fundamentals of Python programming for </a:t>
+            </a:r>
+            <a:r>
+              <a:rPr lang="en-US" sz="1800" dirty="0">
+                <a:solidFill>
+                  <a:srgbClr val="3A3A3A"/>
+                </a:solidFill>
+              </a:rPr>
+              <a:t>d</a:t>
+            </a:r>
+            <a:r>
+              <a:rPr lang="en-US" sz="1800" b="0" i="0" dirty="0">
+                <a:solidFill>
+                  <a:srgbClr val="3A3A3A"/>
+                </a:solidFill>
+                <a:effectLst/>
+              </a:rPr>
+              <a:t>ata science.</a:t>
             </a:r>
           </a:p>
           <a:p>
@@ -3840,29 +3857,30 @@
               <a:buChar char="u"/>
             </a:pPr>
             <a:r>
-              <a:rPr lang="en-US" sz="1800" b="1" dirty="0">
-                <a:solidFill>
-                  <a:srgbClr val="3C3B37"/>
-                </a:solidFill>
-              </a:rPr>
-              <a:t>1. Setup: Python Installation, PyCharm IDE (</a:t>
-            </a:r>
-            <a:r>
-              <a:rPr lang="en-US" sz="1800" b="1" dirty="0" err="1">
-                <a:solidFill>
-                  <a:srgbClr val="3C3B37"/>
-                </a:solidFill>
-              </a:rPr>
-              <a:t>svn</a:t>
-            </a:r>
-            <a:r>
-              <a:rPr lang="en-US" sz="1800" b="1" dirty="0">
-                <a:solidFill>
-                  <a:srgbClr val="3C3B37"/>
-                </a:solidFill>
-              </a:rPr>
-              <a:t>, git), Run, Debugging</a:t>
-            </a:r>
+              <a:rPr lang="en-US" sz="1800" b="0" i="0" dirty="0">
+                <a:solidFill>
+                  <a:srgbClr val="3A3A3A"/>
+                </a:solidFill>
+                <a:effectLst/>
+              </a:rPr>
+              <a:t>You can find more information from the GitHub as below link: </a:t>
+            </a:r>
+            <a:r>
+              <a:rPr lang="en-US" sz="1800" b="0" i="0" dirty="0">
+                <a:solidFill>
+                  <a:srgbClr val="3A3A3A"/>
+                </a:solidFill>
+                <a:effectLst/>
+                <a:hlinkClick r:id="rId2"/>
+              </a:rPr>
+              <a:t>https://github.com/peterhchen/012_Python_Data_Science</a:t>
+            </a:r>
+            <a:endParaRPr lang="en-US" sz="1800" b="0" i="0" dirty="0">
+              <a:solidFill>
+                <a:srgbClr val="3A3A3A"/>
+              </a:solidFill>
+              <a:effectLst/>
+            </a:endParaRPr>
           </a:p>
           <a:p>
             <a:pPr marL="465138" indent="-465138" algn="l">
@@ -3873,21 +3891,13 @@
               <a:buChar char="u"/>
             </a:pPr>
             <a:r>
-              <a:rPr lang="en-US" sz="1800" b="1" dirty="0">
-                <a:solidFill>
-                  <a:srgbClr val="3C3B37"/>
-                </a:solidFill>
-              </a:rPr>
-              <a:t>2. Basic: Control Loop: If, else, for loop,</a:t>
-            </a:r>
-            <a:r>
-              <a:rPr lang="en-US" sz="1800" b="1" i="0" dirty="0">
-                <a:solidFill>
-                  <a:srgbClr val="3C3B37"/>
+              <a:rPr lang="en-US" sz="1800" b="0" i="0" dirty="0">
+                <a:solidFill>
+                  <a:srgbClr val="3A3A3A"/>
                 </a:solidFill>
                 <a:effectLst/>
               </a:rPr>
-              <a:t> range, and functions</a:t>
+              <a:t>It covers the following:</a:t>
             </a:r>
           </a:p>
           <a:p>
@@ -3899,21 +3909,13 @@
               <a:buChar char="u"/>
             </a:pPr>
             <a:r>
-              <a:rPr lang="en-US" sz="1800" b="1" dirty="0">
-                <a:solidFill>
-                  <a:srgbClr val="3C3B37"/>
-                </a:solidFill>
-              </a:rPr>
-              <a:t>3. </a:t>
-            </a:r>
-            <a:r>
-              <a:rPr lang="en-US" sz="1800" b="1" i="0" dirty="0">
-                <a:solidFill>
-                  <a:srgbClr val="3C3B37"/>
+              <a:rPr lang="en-US" sz="1800" b="0" i="0" dirty="0">
+                <a:solidFill>
+                  <a:srgbClr val="495057"/>
                 </a:solidFill>
                 <a:effectLst/>
               </a:rPr>
-              <a:t>Data Type: tuples, lists, arrays, dictionaries</a:t>
+              <a:t>1. Setup: Anaconda, Python, MS-Code, Pylint, Oracle VirtualBox/Ubuntu.</a:t>
             </a:r>
           </a:p>
           <a:p>
@@ -3925,19 +3927,14 @@
               <a:buChar char="u"/>
             </a:pPr>
             <a:r>
-              <a:rPr lang="en-US" sz="1800" b="1" dirty="0">
-                <a:solidFill>
-                  <a:srgbClr val="3C3B37"/>
-                </a:solidFill>
-              </a:rPr>
-              <a:t>4. File I/O: Python Processing of File, CSV, JSON, and XML</a:t>
-            </a:r>
-            <a:endParaRPr lang="en-US" sz="1800" b="1" i="0" dirty="0">
-              <a:solidFill>
-                <a:srgbClr val="3C3B37"/>
-              </a:solidFill>
-              <a:effectLst/>
-            </a:endParaRPr>
+              <a:rPr lang="en-US" sz="1800" b="0" i="0" dirty="0">
+                <a:solidFill>
+                  <a:srgbClr val="3A3A3A"/>
+                </a:solidFill>
+                <a:effectLst/>
+              </a:rPr>
+              <a:t>2. Basic: Control Loop: If, else, for loop, range, and functions</a:t>
+            </a:r>
           </a:p>
           <a:p>
             <a:pPr marL="465138" indent="-465138" algn="l">
@@ -3948,12 +3945,13 @@
               <a:buChar char="u"/>
             </a:pPr>
             <a:r>
-              <a:rPr lang="en-US" sz="1800" b="1" dirty="0">
-                <a:solidFill>
-                  <a:srgbClr val="3C3B37"/>
-                </a:solidFill>
-              </a:rPr>
-              <a:t>5. OOP: class/objects, Regular Expression</a:t>
+              <a:rPr lang="en-US" sz="1800" b="0" i="0" dirty="0">
+                <a:solidFill>
+                  <a:srgbClr val="3A3A3A"/>
+                </a:solidFill>
+                <a:effectLst/>
+              </a:rPr>
+              <a:t>3. Data Type: tuples, lists, arrays, dictionaries</a:t>
             </a:r>
           </a:p>
           <a:p>
@@ -3965,12 +3963,13 @@
               <a:buChar char="u"/>
             </a:pPr>
             <a:r>
-              <a:rPr lang="en-US" sz="1800" b="1" dirty="0">
-                <a:solidFill>
-                  <a:srgbClr val="3C3B37"/>
-                </a:solidFill>
-              </a:rPr>
-              <a:t>6. Numpy </a:t>
+              <a:rPr lang="en-US" sz="1800" b="0" i="0" dirty="0">
+                <a:solidFill>
+                  <a:srgbClr val="3A3A3A"/>
+                </a:solidFill>
+                <a:effectLst/>
+              </a:rPr>
+              <a:t>4. File I/O: Python Processing of File, CSV, JSON, and XML</a:t>
             </a:r>
           </a:p>
           <a:p>
@@ -3982,13 +3981,55 @@
               <a:buChar char="u"/>
             </a:pPr>
             <a:r>
-              <a:rPr lang="en-US" sz="1800" b="1" dirty="0">
-                <a:solidFill>
-                  <a:srgbClr val="3C3B37"/>
-                </a:solidFill>
+              <a:rPr lang="en-US" sz="1800" b="0" i="0" dirty="0">
+                <a:solidFill>
+                  <a:srgbClr val="3A3A3A"/>
+                </a:solidFill>
+                <a:effectLst/>
+              </a:rPr>
+              <a:t>5. OOP: class/objects, Regular Expression</a:t>
+            </a:r>
+          </a:p>
+          <a:p>
+            <a:pPr marL="465138" indent="-465138" algn="l">
+              <a:buClr>
+                <a:srgbClr val="0070C0"/>
+              </a:buClr>
+              <a:buFont typeface="Wingdings" pitchFamily="2" charset="2"/>
+              <a:buChar char="u"/>
+            </a:pPr>
+            <a:r>
+              <a:rPr lang="en-US" sz="1800" b="0" i="0" dirty="0">
+                <a:solidFill>
+                  <a:srgbClr val="3A3A3A"/>
+                </a:solidFill>
+                <a:effectLst/>
+              </a:rPr>
+              <a:t>6. Numpy</a:t>
+            </a:r>
+          </a:p>
+          <a:p>
+            <a:pPr marL="465138" indent="-465138" algn="l">
+              <a:buClr>
+                <a:srgbClr val="0070C0"/>
+              </a:buClr>
+              <a:buFont typeface="Wingdings" pitchFamily="2" charset="2"/>
+              <a:buChar char="u"/>
+            </a:pPr>
+            <a:r>
+              <a:rPr lang="en-US" sz="1800" b="0" i="0" dirty="0">
+                <a:solidFill>
+                  <a:srgbClr val="3A3A3A"/>
+                </a:solidFill>
+                <a:effectLst/>
               </a:rPr>
               <a:t>7. Mid Term Exam</a:t>
             </a:r>
+            <a:endParaRPr lang="en-US" sz="1800" b="1" dirty="0">
+              <a:solidFill>
+                <a:srgbClr val="3C3B37"/>
+              </a:solidFill>
+            </a:endParaRPr>
           </a:p>
         </p:txBody>
       </p:sp>
@@ -4053,9 +4094,9 @@
                 <a:solidFill>
                   <a:srgbClr val="3C3B37"/>
                 </a:solidFill>
-                <a:hlinkClick r:id="rId2"/>
-              </a:rPr>
-              <a:t>https://github.com/peterhchen/300_SVU_DataScience</a:t>
+                <a:hlinkClick r:id="rId3"/>
+              </a:rPr>
+              <a:t>https://github.com/peterhchen/012_Python_Data_Science</a:t>
             </a:r>
             <a:endParaRPr lang="en-US" sz="1600" b="1" dirty="0">
               <a:solidFill>
@@ -4083,7 +4124,7 @@
             <a:fld id="{A4F910E6-8D00-4BAF-8C48-9688E0B449D3}" type="datetime1">
               <a:rPr lang="zh-TW" altLang="en-US" smtClean="0"/>
               <a:pPr/>
-              <a:t>2022/5/13</a:t>
+              <a:t>2022/5/15</a:t>
             </a:fld>
             <a:endParaRPr lang="zh-TW" altLang="en-US"/>
           </a:p>
@@ -4576,7 +4617,7 @@
                 </a:solidFill>
                 <a:hlinkClick r:id="rId2"/>
               </a:rPr>
-              <a:t>https://github.com/peterhchen/300_SVU_DataScience</a:t>
+              <a:t>https://github.com/peterhchen/012_Python_Data_Science</a:t>
             </a:r>
             <a:endParaRPr lang="en-US" sz="1600" b="1" dirty="0">
               <a:solidFill>
@@ -4604,7 +4645,7 @@
             <a:fld id="{A4F910E6-8D00-4BAF-8C48-9688E0B449D3}" type="datetime1">
               <a:rPr lang="zh-TW" altLang="en-US" smtClean="0"/>
               <a:pPr/>
-              <a:t>2022/5/13</a:t>
+              <a:t>2022/5/15</a:t>
             </a:fld>
             <a:endParaRPr lang="zh-TW" altLang="en-US"/>
           </a:p>
@@ -5262,7 +5303,7 @@
                 </a:solidFill>
                 <a:hlinkClick r:id="rId12"/>
               </a:rPr>
-              <a:t>https://github.com/peterhchen/300_SVU_DataScience</a:t>
+              <a:t>https://github.com/peterhchen/012_Python_Data_Science</a:t>
             </a:r>
             <a:endParaRPr lang="en-US" sz="1600" b="1" dirty="0">
               <a:solidFill>
@@ -5290,7 +5331,7 @@
             <a:fld id="{A4F910E6-8D00-4BAF-8C48-9688E0B449D3}" type="datetime1">
               <a:rPr lang="zh-TW" altLang="en-US" smtClean="0"/>
               <a:pPr/>
-              <a:t>2022/5/13</a:t>
+              <a:t>2022/5/15</a:t>
             </a:fld>
             <a:endParaRPr lang="zh-TW" altLang="en-US"/>
           </a:p>
@@ -5613,7 +5654,7 @@
                 </a:solidFill>
                 <a:hlinkClick r:id="rId2"/>
               </a:rPr>
-              <a:t>https://github.com/peterhchen/300_SVU_DataScience</a:t>
+              <a:t>https://github.com/peterhchen/012_Python_Data_Science</a:t>
             </a:r>
             <a:endParaRPr lang="en-US" sz="1600" b="1" dirty="0">
               <a:solidFill>
@@ -5641,7 +5682,7 @@
             <a:fld id="{A4F910E6-8D00-4BAF-8C48-9688E0B449D3}" type="datetime1">
               <a:rPr lang="zh-TW" altLang="en-US" smtClean="0"/>
               <a:pPr/>
-              <a:t>2022/5/13</a:t>
+              <a:t>2022/5/15</a:t>
             </a:fld>
             <a:endParaRPr lang="zh-TW" altLang="en-US"/>
           </a:p>
@@ -5788,7 +5829,7 @@
             <a:fld id="{4E46BE27-E923-4EC2-B046-3272AE2A3E5C}" type="datetime1">
               <a:rPr lang="zh-TW" altLang="en-US" smtClean="0"/>
               <a:pPr/>
-              <a:t>2022/5/13</a:t>
+              <a:t>2022/5/15</a:t>
             </a:fld>
             <a:endParaRPr lang="zh-TW" altLang="en-US"/>
           </a:p>

--- a/00_Python_DataScience_Syllabus.pptx
+++ b/00_Python_DataScience_Syllabus.pptx
@@ -214,7 +214,7 @@
             <a:fld id="{6837EDA8-41C8-4B24-A206-13C08A65A6D7}" type="datetimeFigureOut">
               <a:rPr lang="zh-TW" altLang="en-US" smtClean="0"/>
               <a:pPr/>
-              <a:t>2022/5/15</a:t>
+              <a:t>2022/5/18</a:t>
             </a:fld>
             <a:endParaRPr lang="zh-TW" altLang="en-US"/>
           </a:p>
@@ -752,7 +752,7 @@
             <a:fld id="{8B85509C-BD4F-47BF-9B1E-FC2E949B3621}" type="datetime1">
               <a:rPr lang="zh-TW" altLang="en-US" smtClean="0"/>
               <a:pPr/>
-              <a:t>2022/5/15</a:t>
+              <a:t>2022/5/18</a:t>
             </a:fld>
             <a:endParaRPr lang="zh-TW" altLang="en-US"/>
           </a:p>
@@ -925,7 +925,7 @@
             <a:fld id="{42251B24-F787-4C15-8A0F-7AEC20C70069}" type="datetime1">
               <a:rPr lang="zh-TW" altLang="en-US" smtClean="0"/>
               <a:pPr/>
-              <a:t>2022/5/15</a:t>
+              <a:t>2022/5/18</a:t>
             </a:fld>
             <a:endParaRPr lang="zh-TW" altLang="en-US"/>
           </a:p>
@@ -1100,7 +1100,7 @@
             <a:fld id="{9CA0D33C-CE2B-45F1-B8D4-FFD1F131F331}" type="datetime1">
               <a:rPr lang="zh-TW" altLang="en-US" smtClean="0"/>
               <a:pPr/>
-              <a:t>2022/5/15</a:t>
+              <a:t>2022/5/18</a:t>
             </a:fld>
             <a:endParaRPr lang="zh-TW" altLang="en-US"/>
           </a:p>
@@ -1265,7 +1265,7 @@
             <a:fld id="{50B99440-D9EF-40CC-9B52-F6428D9B2C76}" type="datetime1">
               <a:rPr lang="zh-TW" altLang="en-US" smtClean="0"/>
               <a:pPr/>
-              <a:t>2022/5/15</a:t>
+              <a:t>2022/5/18</a:t>
             </a:fld>
             <a:endParaRPr lang="zh-TW" altLang="en-US"/>
           </a:p>
@@ -1507,7 +1507,7 @@
             <a:fld id="{0871BF52-5C6C-4959-8E27-CECB68D39FE4}" type="datetime1">
               <a:rPr lang="zh-TW" altLang="en-US" smtClean="0"/>
               <a:pPr/>
-              <a:t>2022/5/15</a:t>
+              <a:t>2022/5/18</a:t>
             </a:fld>
             <a:endParaRPr lang="zh-TW" altLang="en-US"/>
           </a:p>
@@ -1789,7 +1789,7 @@
             <a:fld id="{DF863F05-2DD9-4EB1-A827-12FD992DE9DC}" type="datetime1">
               <a:rPr lang="zh-TW" altLang="en-US" smtClean="0"/>
               <a:pPr/>
-              <a:t>2022/5/15</a:t>
+              <a:t>2022/5/18</a:t>
             </a:fld>
             <a:endParaRPr lang="zh-TW" altLang="en-US"/>
           </a:p>
@@ -2205,7 +2205,7 @@
             <a:fld id="{6339AF51-4491-4873-A096-75DB6CE47516}" type="datetime1">
               <a:rPr lang="zh-TW" altLang="en-US" smtClean="0"/>
               <a:pPr/>
-              <a:t>2022/5/15</a:t>
+              <a:t>2022/5/18</a:t>
             </a:fld>
             <a:endParaRPr lang="zh-TW" altLang="en-US"/>
           </a:p>
@@ -2319,7 +2319,7 @@
             <a:fld id="{EE4AD9C8-8B9E-40FF-ABE2-858AC2057BBB}" type="datetime1">
               <a:rPr lang="zh-TW" altLang="en-US" smtClean="0"/>
               <a:pPr/>
-              <a:t>2022/5/15</a:t>
+              <a:t>2022/5/18</a:t>
             </a:fld>
             <a:endParaRPr lang="zh-TW" altLang="en-US"/>
           </a:p>
@@ -2411,7 +2411,7 @@
             <a:fld id="{B4784999-BBBE-4BE4-A8D0-877E7D1D66CC}" type="datetime1">
               <a:rPr lang="zh-TW" altLang="en-US" smtClean="0"/>
               <a:pPr/>
-              <a:t>2022/5/15</a:t>
+              <a:t>2022/5/18</a:t>
             </a:fld>
             <a:endParaRPr lang="zh-TW" altLang="en-US"/>
           </a:p>
@@ -2683,7 +2683,7 @@
             <a:fld id="{E88D17E6-02BD-4944-B9FE-7BFCCBF83D48}" type="datetime1">
               <a:rPr lang="zh-TW" altLang="en-US" smtClean="0"/>
               <a:pPr/>
-              <a:t>2022/5/15</a:t>
+              <a:t>2022/5/18</a:t>
             </a:fld>
             <a:endParaRPr lang="zh-TW" altLang="en-US"/>
           </a:p>
@@ -2932,7 +2932,7 @@
             <a:fld id="{3C13E23D-1FEF-4D78-A3A3-3D6F2BB31954}" type="datetime1">
               <a:rPr lang="zh-TW" altLang="en-US" smtClean="0"/>
               <a:pPr/>
-              <a:t>2022/5/15</a:t>
+              <a:t>2022/5/18</a:t>
             </a:fld>
             <a:endParaRPr lang="zh-TW" altLang="en-US"/>
           </a:p>
@@ -3140,7 +3140,7 @@
             <a:fld id="{06197F35-AD6F-4594-8B50-334492D2E7E8}" type="datetime1">
               <a:rPr lang="zh-TW" altLang="en-US" smtClean="0"/>
               <a:pPr/>
-              <a:t>2022/5/15</a:t>
+              <a:t>2022/5/18</a:t>
             </a:fld>
             <a:endParaRPr lang="zh-TW" altLang="en-US"/>
           </a:p>
@@ -3602,7 +3602,7 @@
             <a:fld id="{C389EDC9-19E3-47AC-9C57-C6A24DEA81AD}" type="datetime1">
               <a:rPr lang="zh-TW" altLang="en-US" smtClean="0"/>
               <a:pPr/>
-              <a:t>2022/5/15</a:t>
+              <a:t>2022/5/18</a:t>
             </a:fld>
             <a:endParaRPr lang="zh-TW" altLang="en-US"/>
           </a:p>
@@ -3915,7 +3915,7 @@
                 </a:solidFill>
                 <a:effectLst/>
               </a:rPr>
-              <a:t>1. Setup: Anaconda, Python, MS-Code, Pylint, Oracle VirtualBox/Ubuntu.</a:t>
+              <a:t>1. Setup: Anaconda, Python, MS- VS Code, Pylint, Oracle VirtualBox/Ubuntu.</a:t>
             </a:r>
           </a:p>
           <a:p>
@@ -3933,7 +3933,7 @@
                 </a:solidFill>
                 <a:effectLst/>
               </a:rPr>
-              <a:t>2. Basic: Control Loop: If, else, for loop, range, and functions</a:t>
+              <a:t>2. Basic Syntax,  Variable Types, Operator</a:t>
             </a:r>
           </a:p>
           <a:p>
@@ -3945,13 +3945,21 @@
               <a:buChar char="u"/>
             </a:pPr>
             <a:r>
+              <a:rPr lang="en-US" sz="1800" dirty="0">
+                <a:solidFill>
+                  <a:srgbClr val="3A3A3A"/>
+                </a:solidFill>
+              </a:rPr>
+              <a:t>3. Decision, </a:t>
+            </a:r>
+            <a:r>
               <a:rPr lang="en-US" sz="1800" b="0" i="0" dirty="0">
                 <a:solidFill>
                   <a:srgbClr val="3A3A3A"/>
                 </a:solidFill>
                 <a:effectLst/>
               </a:rPr>
-              <a:t>3. Data Type: tuples, lists, arrays, dictionaries</a:t>
+              <a:t>Loop, Number, String, Tuple, List</a:t>
             </a:r>
           </a:p>
           <a:p>
@@ -3969,7 +3977,51 @@
                 </a:solidFill>
                 <a:effectLst/>
               </a:rPr>
-              <a:t>4. File I/O: Python Processing of File, CSV, JSON, and XML</a:t>
+              <a:t>4. </a:t>
+            </a:r>
+            <a:r>
+              <a:rPr lang="en-US" sz="1800">
+                <a:solidFill>
+                  <a:srgbClr val="3A3A3A"/>
+                </a:solidFill>
+              </a:rPr>
+              <a:t>Dictionary, </a:t>
+            </a:r>
+            <a:r>
+              <a:rPr lang="en-US" sz="1800" b="0" i="0">
+                <a:solidFill>
+                  <a:srgbClr val="3A3A3A"/>
+                </a:solidFill>
+                <a:effectLst/>
+              </a:rPr>
+              <a:t>File </a:t>
+            </a:r>
+            <a:r>
+              <a:rPr lang="en-US" sz="1800" b="0" i="0" dirty="0">
+                <a:solidFill>
+                  <a:srgbClr val="3A3A3A"/>
+                </a:solidFill>
+                <a:effectLst/>
+              </a:rPr>
+              <a:t>I</a:t>
+            </a:r>
+            <a:r>
+              <a:rPr lang="en-US" sz="1800" b="0" i="0">
+                <a:solidFill>
+                  <a:srgbClr val="3A3A3A"/>
+                </a:solidFill>
+                <a:effectLst/>
+              </a:rPr>
+              <a:t>/O, </a:t>
+            </a:r>
+            <a:r>
+              <a:rPr lang="en-US" sz="1800" b="0" i="0" dirty="0">
+                <a:solidFill>
+                  <a:srgbClr val="3A3A3A"/>
+                </a:solidFill>
+                <a:effectLst/>
+              </a:rPr>
+              <a:t>Python Processing of File, CSV, JSON, and XML</a:t>
             </a:r>
           </a:p>
           <a:p>
@@ -4124,7 +4176,7 @@
             <a:fld id="{A4F910E6-8D00-4BAF-8C48-9688E0B449D3}" type="datetime1">
               <a:rPr lang="zh-TW" altLang="en-US" smtClean="0"/>
               <a:pPr/>
-              <a:t>2022/5/15</a:t>
+              <a:t>2022/5/18</a:t>
             </a:fld>
             <a:endParaRPr lang="zh-TW" altLang="en-US"/>
           </a:p>
@@ -4307,7 +4359,7 @@
               <a:buChar char="u"/>
             </a:pPr>
             <a:r>
-              <a:rPr lang="en-US" sz="1800" b="1" dirty="0">
+              <a:rPr lang="en-US" sz="1800" dirty="0">
                 <a:solidFill>
                   <a:srgbClr val="3C3B37"/>
                 </a:solidFill>
@@ -4324,7 +4376,7 @@
               <a:buChar char="u"/>
             </a:pPr>
             <a:r>
-              <a:rPr lang="en-US" sz="1800" b="1" dirty="0">
+              <a:rPr lang="en-US" sz="1800" dirty="0">
                 <a:solidFill>
                   <a:srgbClr val="3C3B37"/>
                 </a:solidFill>
@@ -4341,7 +4393,7 @@
               <a:buChar char="u"/>
             </a:pPr>
             <a:r>
-              <a:rPr lang="en-US" sz="1800" b="1" dirty="0">
+              <a:rPr lang="en-US" sz="1800" dirty="0">
                 <a:solidFill>
                   <a:srgbClr val="3C3B37"/>
                 </a:solidFill>
@@ -4358,7 +4410,7 @@
               <a:buChar char="u"/>
             </a:pPr>
             <a:r>
-              <a:rPr lang="en-US" sz="1800" b="1" dirty="0">
+              <a:rPr lang="en-US" sz="1800" dirty="0">
                 <a:solidFill>
                   <a:srgbClr val="3C3B37"/>
                 </a:solidFill>
@@ -4366,7 +4418,7 @@
               <a:t>11. </a:t>
             </a:r>
             <a:r>
-              <a:rPr lang="en-US" sz="1800" b="1" i="0" dirty="0">
+              <a:rPr lang="en-US" sz="1800" i="0" dirty="0">
                 <a:solidFill>
                   <a:srgbClr val="3C3B37"/>
                 </a:solidFill>
@@ -4375,7 +4427,7 @@
               <a:t>GUI (1): tkinter</a:t>
             </a:r>
             <a:r>
-              <a:rPr lang="en-US" sz="1800" b="1" dirty="0">
+              <a:rPr lang="en-US" sz="1800" dirty="0">
                 <a:solidFill>
                   <a:srgbClr val="3C3B37"/>
                 </a:solidFill>
@@ -4383,7 +4435,7 @@
               <a:t>,</a:t>
             </a:r>
             <a:r>
-              <a:rPr lang="en-US" sz="1800" b="1" i="0" dirty="0">
+              <a:rPr lang="en-US" sz="1800" i="0" dirty="0">
                 <a:solidFill>
                   <a:srgbClr val="3C3B37"/>
                 </a:solidFill>
@@ -4392,7 +4444,7 @@
               <a:t> </a:t>
             </a:r>
             <a:r>
-              <a:rPr lang="en-US" sz="1800" b="1" i="0" dirty="0">
+              <a:rPr lang="en-US" sz="1800" i="0" dirty="0">
                 <a:solidFill>
                   <a:srgbClr val="495057"/>
                 </a:solidFill>
@@ -4401,7 +4453,7 @@
               <a:t>Dimension, Color, Font, Anchor, Relief Style, Bitmap, pack (), grid ()</a:t>
             </a:r>
             <a:r>
-              <a:rPr lang="en-US" sz="1800" b="1" dirty="0">
+              <a:rPr lang="en-US" sz="1800" dirty="0">
                 <a:solidFill>
                   <a:srgbClr val="495057"/>
                 </a:solidFill>
@@ -4409,16 +4461,16 @@
               <a:t>, </a:t>
             </a:r>
             <a:r>
-              <a:rPr lang="en-US" sz="1800" b="1" i="0" dirty="0">
+              <a:rPr lang="en-US" sz="1800" i="0" dirty="0">
                 <a:solidFill>
                   <a:srgbClr val="495057"/>
                 </a:solidFill>
                 <a:effectLst/>
               </a:rPr>
-              <a:t>place(), </a:t>
-            </a:r>
-            <a:r>
-              <a:rPr lang="en-US" sz="1800" b="1" i="0" dirty="0">
+              <a:t>place (), </a:t>
+            </a:r>
+            <a:r>
+              <a:rPr lang="en-US" sz="1800" i="0" dirty="0">
                 <a:solidFill>
                   <a:srgbClr val="3C3B37"/>
                 </a:solidFill>
@@ -4427,7 +4479,7 @@
               <a:t>Button, Canvas, Checkbutton, Entry, Frame, Label, Listbox, Menubutton, and Menu</a:t>
             </a:r>
             <a:r>
-              <a:rPr lang="en-US" sz="1800" b="1" dirty="0">
+              <a:rPr lang="en-US" sz="1800" dirty="0">
                 <a:solidFill>
                   <a:srgbClr val="3C3B37"/>
                 </a:solidFill>
@@ -4435,7 +4487,7 @@
               <a:t>.</a:t>
             </a:r>
             <a:r>
-              <a:rPr lang="en-US" sz="1800" b="1" i="0" dirty="0">
+              <a:rPr lang="en-US" sz="1800" i="0" dirty="0">
                 <a:solidFill>
                   <a:srgbClr val="3C3B37"/>
                 </a:solidFill>
@@ -4453,7 +4505,7 @@
               <a:buChar char="u"/>
             </a:pPr>
             <a:r>
-              <a:rPr lang="en-US" sz="1800" b="1" dirty="0">
+              <a:rPr lang="en-US" sz="1800" dirty="0">
                 <a:solidFill>
                   <a:srgbClr val="3C3B37"/>
                 </a:solidFill>
@@ -4461,7 +4513,7 @@
               <a:t>12. GUI (2): </a:t>
             </a:r>
             <a:r>
-              <a:rPr lang="en-US" sz="1800" b="1" i="0" dirty="0">
+              <a:rPr lang="en-US" sz="1800" i="0" dirty="0">
                 <a:solidFill>
                   <a:srgbClr val="3C3B37"/>
                 </a:solidFill>
@@ -4470,28 +4522,12 @@
               <a:t>Label, Listbox, Menubutton, Menu</a:t>
             </a:r>
             <a:r>
-              <a:rPr lang="en-US" sz="1800" b="1" dirty="0">
+              <a:rPr lang="en-US" sz="1800" dirty="0">
                 <a:solidFill>
                   <a:srgbClr val="3C3B37"/>
                 </a:solidFill>
               </a:rPr>
-              <a:t>, Message, Radiobutton, Scale, Text, Toplevel, Spinbox, PanedWindow, LabelFrame, and </a:t>
-            </a:r>
-            <a:r>
-              <a:rPr lang="en-US" sz="1800" b="1" dirty="0" err="1">
-                <a:solidFill>
-                  <a:srgbClr val="3C3B37"/>
-                </a:solidFill>
-              </a:rPr>
-              <a:t>messagebox</a:t>
-            </a:r>
-            <a:r>
-              <a:rPr lang="en-US" sz="1800" b="1" dirty="0">
-                <a:solidFill>
-                  <a:srgbClr val="3C3B37"/>
-                </a:solidFill>
-              </a:rPr>
-              <a:t>.</a:t>
+              <a:t>, Message, Radiobutton, Scale, Text, Toplevel, Spinbox, PanedWindow, LabelFrame, and messagebox.</a:t>
             </a:r>
           </a:p>
           <a:p>
@@ -4503,7 +4539,7 @@
               <a:buChar char="u"/>
             </a:pPr>
             <a:r>
-              <a:rPr lang="en-US" sz="1800" b="1" i="0" dirty="0">
+              <a:rPr lang="en-US" sz="1800" i="0" dirty="0">
                 <a:solidFill>
                   <a:srgbClr val="3C3B37"/>
                 </a:solidFill>
@@ -4521,14 +4557,14 @@
               <a:buChar char="u"/>
             </a:pPr>
             <a:r>
-              <a:rPr lang="en-US" sz="1800" b="1" dirty="0">
+              <a:rPr lang="en-US" sz="1800" dirty="0">
                 <a:solidFill>
                   <a:srgbClr val="3C3B37"/>
                 </a:solidFill>
               </a:rPr>
-              <a:t>14. Python unittest and PyLint (QA)</a:t>
-            </a:r>
-            <a:endParaRPr lang="en-US" sz="1800" b="1" i="0" dirty="0">
+              <a:t>14. unittest</a:t>
+            </a:r>
+            <a:endParaRPr lang="en-US" sz="1800" i="0" dirty="0">
               <a:solidFill>
                 <a:srgbClr val="3C3B37"/>
               </a:solidFill>
@@ -4544,7 +4580,7 @@
               <a:buChar char="u"/>
             </a:pPr>
             <a:r>
-              <a:rPr lang="en-US" sz="1800" b="1" dirty="0">
+              <a:rPr lang="en-US" sz="1800" dirty="0">
                 <a:solidFill>
                   <a:srgbClr val="3C3B37"/>
                 </a:solidFill>
@@ -4645,7 +4681,7 @@
             <a:fld id="{A4F910E6-8D00-4BAF-8C48-9688E0B449D3}" type="datetime1">
               <a:rPr lang="zh-TW" altLang="en-US" smtClean="0"/>
               <a:pPr/>
-              <a:t>2022/5/15</a:t>
+              <a:t>2022/5/18</a:t>
             </a:fld>
             <a:endParaRPr lang="zh-TW" altLang="en-US"/>
           </a:p>
@@ -5331,7 +5367,7 @@
             <a:fld id="{A4F910E6-8D00-4BAF-8C48-9688E0B449D3}" type="datetime1">
               <a:rPr lang="zh-TW" altLang="en-US" smtClean="0"/>
               <a:pPr/>
-              <a:t>2022/5/15</a:t>
+              <a:t>2022/5/18</a:t>
             </a:fld>
             <a:endParaRPr lang="zh-TW" altLang="en-US"/>
           </a:p>
@@ -5682,7 +5718,7 @@
             <a:fld id="{A4F910E6-8D00-4BAF-8C48-9688E0B449D3}" type="datetime1">
               <a:rPr lang="zh-TW" altLang="en-US" smtClean="0"/>
               <a:pPr/>
-              <a:t>2022/5/15</a:t>
+              <a:t>2022/5/18</a:t>
             </a:fld>
             <a:endParaRPr lang="zh-TW" altLang="en-US"/>
           </a:p>
@@ -5829,7 +5865,7 @@
             <a:fld id="{4E46BE27-E923-4EC2-B046-3272AE2A3E5C}" type="datetime1">
               <a:rPr lang="zh-TW" altLang="en-US" smtClean="0"/>
               <a:pPr/>
-              <a:t>2022/5/15</a:t>
+              <a:t>2022/5/18</a:t>
             </a:fld>
             <a:endParaRPr lang="zh-TW" altLang="en-US"/>
           </a:p>

--- a/00_Python_DataScience_Syllabus.pptx
+++ b/00_Python_DataScience_Syllabus.pptx
@@ -214,7 +214,7 @@
             <a:fld id="{6837EDA8-41C8-4B24-A206-13C08A65A6D7}" type="datetimeFigureOut">
               <a:rPr lang="zh-TW" altLang="en-US" smtClean="0"/>
               <a:pPr/>
-              <a:t>2022/5/18</a:t>
+              <a:t>2022/5/23</a:t>
             </a:fld>
             <a:endParaRPr lang="zh-TW" altLang="en-US"/>
           </a:p>
@@ -752,7 +752,7 @@
             <a:fld id="{8B85509C-BD4F-47BF-9B1E-FC2E949B3621}" type="datetime1">
               <a:rPr lang="zh-TW" altLang="en-US" smtClean="0"/>
               <a:pPr/>
-              <a:t>2022/5/18</a:t>
+              <a:t>2022/5/23</a:t>
             </a:fld>
             <a:endParaRPr lang="zh-TW" altLang="en-US"/>
           </a:p>
@@ -925,7 +925,7 @@
             <a:fld id="{42251B24-F787-4C15-8A0F-7AEC20C70069}" type="datetime1">
               <a:rPr lang="zh-TW" altLang="en-US" smtClean="0"/>
               <a:pPr/>
-              <a:t>2022/5/18</a:t>
+              <a:t>2022/5/23</a:t>
             </a:fld>
             <a:endParaRPr lang="zh-TW" altLang="en-US"/>
           </a:p>
@@ -1100,7 +1100,7 @@
             <a:fld id="{9CA0D33C-CE2B-45F1-B8D4-FFD1F131F331}" type="datetime1">
               <a:rPr lang="zh-TW" altLang="en-US" smtClean="0"/>
               <a:pPr/>
-              <a:t>2022/5/18</a:t>
+              <a:t>2022/5/23</a:t>
             </a:fld>
             <a:endParaRPr lang="zh-TW" altLang="en-US"/>
           </a:p>
@@ -1265,7 +1265,7 @@
             <a:fld id="{50B99440-D9EF-40CC-9B52-F6428D9B2C76}" type="datetime1">
               <a:rPr lang="zh-TW" altLang="en-US" smtClean="0"/>
               <a:pPr/>
-              <a:t>2022/5/18</a:t>
+              <a:t>2022/5/23</a:t>
             </a:fld>
             <a:endParaRPr lang="zh-TW" altLang="en-US"/>
           </a:p>
@@ -1507,7 +1507,7 @@
             <a:fld id="{0871BF52-5C6C-4959-8E27-CECB68D39FE4}" type="datetime1">
               <a:rPr lang="zh-TW" altLang="en-US" smtClean="0"/>
               <a:pPr/>
-              <a:t>2022/5/18</a:t>
+              <a:t>2022/5/23</a:t>
             </a:fld>
             <a:endParaRPr lang="zh-TW" altLang="en-US"/>
           </a:p>
@@ -1789,7 +1789,7 @@
             <a:fld id="{DF863F05-2DD9-4EB1-A827-12FD992DE9DC}" type="datetime1">
               <a:rPr lang="zh-TW" altLang="en-US" smtClean="0"/>
               <a:pPr/>
-              <a:t>2022/5/18</a:t>
+              <a:t>2022/5/23</a:t>
             </a:fld>
             <a:endParaRPr lang="zh-TW" altLang="en-US"/>
           </a:p>
@@ -2205,7 +2205,7 @@
             <a:fld id="{6339AF51-4491-4873-A096-75DB6CE47516}" type="datetime1">
               <a:rPr lang="zh-TW" altLang="en-US" smtClean="0"/>
               <a:pPr/>
-              <a:t>2022/5/18</a:t>
+              <a:t>2022/5/23</a:t>
             </a:fld>
             <a:endParaRPr lang="zh-TW" altLang="en-US"/>
           </a:p>
@@ -2319,7 +2319,7 @@
             <a:fld id="{EE4AD9C8-8B9E-40FF-ABE2-858AC2057BBB}" type="datetime1">
               <a:rPr lang="zh-TW" altLang="en-US" smtClean="0"/>
               <a:pPr/>
-              <a:t>2022/5/18</a:t>
+              <a:t>2022/5/23</a:t>
             </a:fld>
             <a:endParaRPr lang="zh-TW" altLang="en-US"/>
           </a:p>
@@ -2411,7 +2411,7 @@
             <a:fld id="{B4784999-BBBE-4BE4-A8D0-877E7D1D66CC}" type="datetime1">
               <a:rPr lang="zh-TW" altLang="en-US" smtClean="0"/>
               <a:pPr/>
-              <a:t>2022/5/18</a:t>
+              <a:t>2022/5/23</a:t>
             </a:fld>
             <a:endParaRPr lang="zh-TW" altLang="en-US"/>
           </a:p>
@@ -2683,7 +2683,7 @@
             <a:fld id="{E88D17E6-02BD-4944-B9FE-7BFCCBF83D48}" type="datetime1">
               <a:rPr lang="zh-TW" altLang="en-US" smtClean="0"/>
               <a:pPr/>
-              <a:t>2022/5/18</a:t>
+              <a:t>2022/5/23</a:t>
             </a:fld>
             <a:endParaRPr lang="zh-TW" altLang="en-US"/>
           </a:p>
@@ -2932,7 +2932,7 @@
             <a:fld id="{3C13E23D-1FEF-4D78-A3A3-3D6F2BB31954}" type="datetime1">
               <a:rPr lang="zh-TW" altLang="en-US" smtClean="0"/>
               <a:pPr/>
-              <a:t>2022/5/18</a:t>
+              <a:t>2022/5/23</a:t>
             </a:fld>
             <a:endParaRPr lang="zh-TW" altLang="en-US"/>
           </a:p>
@@ -3140,7 +3140,7 @@
             <a:fld id="{06197F35-AD6F-4594-8B50-334492D2E7E8}" type="datetime1">
               <a:rPr lang="zh-TW" altLang="en-US" smtClean="0"/>
               <a:pPr/>
-              <a:t>2022/5/18</a:t>
+              <a:t>2022/5/23</a:t>
             </a:fld>
             <a:endParaRPr lang="zh-TW" altLang="en-US"/>
           </a:p>
@@ -3602,7 +3602,7 @@
             <a:fld id="{C389EDC9-19E3-47AC-9C57-C6A24DEA81AD}" type="datetime1">
               <a:rPr lang="zh-TW" altLang="en-US" smtClean="0"/>
               <a:pPr/>
-              <a:t>2022/5/18</a:t>
+              <a:t>2022/5/23</a:t>
             </a:fld>
             <a:endParaRPr lang="zh-TW" altLang="en-US"/>
           </a:p>
@@ -3782,7 +3782,7 @@
         <p:spPr>
           <a:xfrm>
             <a:off x="457200" y="1152181"/>
-            <a:ext cx="8352928" cy="4293043"/>
+            <a:ext cx="8352928" cy="4581075"/>
           </a:xfrm>
           <a:ln>
             <a:solidFill>
@@ -3980,7 +3980,7 @@
               <a:t>4. </a:t>
             </a:r>
             <a:r>
-              <a:rPr lang="en-US" sz="1800">
+              <a:rPr lang="en-US" sz="1800" dirty="0">
                 <a:solidFill>
                   <a:srgbClr val="3A3A3A"/>
                 </a:solidFill>
@@ -3988,40 +3988,13 @@
               <a:t>Dictionary, </a:t>
             </a:r>
             <a:r>
-              <a:rPr lang="en-US" sz="1800" b="0" i="0">
+              <a:rPr lang="en-US" sz="1800" b="0" i="0" dirty="0">
                 <a:solidFill>
                   <a:srgbClr val="3A3A3A"/>
                 </a:solidFill>
                 <a:effectLst/>
               </a:rPr>
-              <a:t>File </a:t>
-            </a:r>
-            <a:r>
-              <a:rPr lang="en-US" sz="1800" b="0" i="0" dirty="0">
-                <a:solidFill>
-                  <a:srgbClr val="3A3A3A"/>
-                </a:solidFill>
-                <a:effectLst/>
-              </a:rPr>
-              <a:t>I</a:t>
-            </a:r>
-            <a:r>
-              <a:rPr lang="en-US" sz="1800" b="0" i="0">
-                <a:solidFill>
-                  <a:srgbClr val="3A3A3A"/>
-                </a:solidFill>
-                <a:effectLst/>
-              </a:rPr>
-              <a:t>/O, </a:t>
-            </a:r>
-            <a:r>
-              <a:rPr lang="en-US" sz="1800" b="0" i="0" dirty="0">
-                <a:solidFill>
-                  <a:srgbClr val="3A3A3A"/>
-                </a:solidFill>
-                <a:effectLst/>
-              </a:rPr>
-              <a:t>Python Processing of File, CSV, JSON, and XML</a:t>
+              <a:t>File I/O, Python Processing of File, CSV, JSON, and XML</a:t>
             </a:r>
           </a:p>
           <a:p>
@@ -4039,7 +4012,7 @@
                 </a:solidFill>
                 <a:effectLst/>
               </a:rPr>
-              <a:t>5. OOP: class/objects, Regular Expression</a:t>
+              <a:t>5. OOP, Regular Expression, Networking, Multi-threading.</a:t>
             </a:r>
           </a:p>
           <a:p>
@@ -4069,13 +4042,44 @@
               <a:buChar char="u"/>
             </a:pPr>
             <a:r>
+              <a:rPr lang="en-US" sz="1800" dirty="0">
+                <a:solidFill>
+                  <a:srgbClr val="3C3B37"/>
+                </a:solidFill>
+              </a:rPr>
+              <a:t>7. Pandas</a:t>
+            </a:r>
+            <a:endParaRPr lang="en-US" sz="1800" b="0" i="0" dirty="0">
+              <a:solidFill>
+                <a:srgbClr val="3A3A3A"/>
+              </a:solidFill>
+              <a:effectLst/>
+            </a:endParaRPr>
+          </a:p>
+          <a:p>
+            <a:pPr marL="465138" indent="-465138" algn="l">
+              <a:buClr>
+                <a:srgbClr val="0070C0"/>
+              </a:buClr>
+              <a:buFont typeface="Wingdings" pitchFamily="2" charset="2"/>
+              <a:buChar char="u"/>
+            </a:pPr>
+            <a:r>
+              <a:rPr lang="en-US" sz="1800" dirty="0">
+                <a:solidFill>
+                  <a:srgbClr val="3A3A3A"/>
+                </a:solidFill>
+              </a:rPr>
+              <a:t>8</a:t>
+            </a:r>
+            <a:r>
               <a:rPr lang="en-US" sz="1800" b="0" i="0" dirty="0">
                 <a:solidFill>
                   <a:srgbClr val="3A3A3A"/>
                 </a:solidFill>
                 <a:effectLst/>
               </a:rPr>
-              <a:t>7. Mid Term Exam</a:t>
+              <a:t>. Mid Term Exam</a:t>
             </a:r>
             <a:endParaRPr lang="en-US" sz="1800" b="1" dirty="0">
               <a:solidFill>
@@ -4176,7 +4180,7 @@
             <a:fld id="{A4F910E6-8D00-4BAF-8C48-9688E0B449D3}" type="datetime1">
               <a:rPr lang="zh-TW" altLang="en-US" smtClean="0"/>
               <a:pPr/>
-              <a:t>2022/5/18</a:t>
+              <a:t>2022/5/23</a:t>
             </a:fld>
             <a:endParaRPr lang="zh-TW" altLang="en-US"/>
           </a:p>
@@ -4319,7 +4323,7 @@
         <p:spPr>
           <a:xfrm>
             <a:off x="457200" y="1152181"/>
-            <a:ext cx="8352928" cy="3788987"/>
+            <a:ext cx="8352928" cy="3500955"/>
           </a:xfrm>
           <a:ln>
             <a:solidFill>
@@ -4348,23 +4352,6 @@
                 <a:effectLst/>
               </a:rPr>
               <a:t>Course Description</a:t>
-            </a:r>
-          </a:p>
-          <a:p>
-            <a:pPr marL="465138" indent="-465138" algn="l">
-              <a:buClr>
-                <a:srgbClr val="0070C0"/>
-              </a:buClr>
-              <a:buFont typeface="Wingdings" pitchFamily="2" charset="2"/>
-              <a:buChar char="u"/>
-            </a:pPr>
-            <a:r>
-              <a:rPr lang="en-US" sz="1800" dirty="0">
-                <a:solidFill>
-                  <a:srgbClr val="3C3B37"/>
-                </a:solidFill>
-              </a:rPr>
-              <a:t>8. Pandas</a:t>
             </a:r>
           </a:p>
           <a:p>
@@ -4681,7 +4668,7 @@
             <a:fld id="{A4F910E6-8D00-4BAF-8C48-9688E0B449D3}" type="datetime1">
               <a:rPr lang="zh-TW" altLang="en-US" smtClean="0"/>
               <a:pPr/>
-              <a:t>2022/5/18</a:t>
+              <a:t>2022/5/23</a:t>
             </a:fld>
             <a:endParaRPr lang="zh-TW" altLang="en-US"/>
           </a:p>
@@ -5367,7 +5354,7 @@
             <a:fld id="{A4F910E6-8D00-4BAF-8C48-9688E0B449D3}" type="datetime1">
               <a:rPr lang="zh-TW" altLang="en-US" smtClean="0"/>
               <a:pPr/>
-              <a:t>2022/5/18</a:t>
+              <a:t>2022/5/23</a:t>
             </a:fld>
             <a:endParaRPr lang="zh-TW" altLang="en-US"/>
           </a:p>
@@ -5718,7 +5705,7 @@
             <a:fld id="{A4F910E6-8D00-4BAF-8C48-9688E0B449D3}" type="datetime1">
               <a:rPr lang="zh-TW" altLang="en-US" smtClean="0"/>
               <a:pPr/>
-              <a:t>2022/5/18</a:t>
+              <a:t>2022/5/23</a:t>
             </a:fld>
             <a:endParaRPr lang="zh-TW" altLang="en-US"/>
           </a:p>
@@ -5865,7 +5852,7 @@
             <a:fld id="{4E46BE27-E923-4EC2-B046-3272AE2A3E5C}" type="datetime1">
               <a:rPr lang="zh-TW" altLang="en-US" smtClean="0"/>
               <a:pPr/>
-              <a:t>2022/5/18</a:t>
+              <a:t>2022/5/23</a:t>
             </a:fld>
             <a:endParaRPr lang="zh-TW" altLang="en-US"/>
           </a:p>

--- a/00_Python_DataScience_Syllabus.pptx
+++ b/00_Python_DataScience_Syllabus.pptx
@@ -214,7 +214,7 @@
             <a:fld id="{6837EDA8-41C8-4B24-A206-13C08A65A6D7}" type="datetimeFigureOut">
               <a:rPr lang="zh-TW" altLang="en-US" smtClean="0"/>
               <a:pPr/>
-              <a:t>2022/5/23</a:t>
+              <a:t>2022/6/4</a:t>
             </a:fld>
             <a:endParaRPr lang="zh-TW" altLang="en-US"/>
           </a:p>
@@ -752,7 +752,7 @@
             <a:fld id="{8B85509C-BD4F-47BF-9B1E-FC2E949B3621}" type="datetime1">
               <a:rPr lang="zh-TW" altLang="en-US" smtClean="0"/>
               <a:pPr/>
-              <a:t>2022/5/23</a:t>
+              <a:t>2022/6/4</a:t>
             </a:fld>
             <a:endParaRPr lang="zh-TW" altLang="en-US"/>
           </a:p>
@@ -925,7 +925,7 @@
             <a:fld id="{42251B24-F787-4C15-8A0F-7AEC20C70069}" type="datetime1">
               <a:rPr lang="zh-TW" altLang="en-US" smtClean="0"/>
               <a:pPr/>
-              <a:t>2022/5/23</a:t>
+              <a:t>2022/6/4</a:t>
             </a:fld>
             <a:endParaRPr lang="zh-TW" altLang="en-US"/>
           </a:p>
@@ -1100,7 +1100,7 @@
             <a:fld id="{9CA0D33C-CE2B-45F1-B8D4-FFD1F131F331}" type="datetime1">
               <a:rPr lang="zh-TW" altLang="en-US" smtClean="0"/>
               <a:pPr/>
-              <a:t>2022/5/23</a:t>
+              <a:t>2022/6/4</a:t>
             </a:fld>
             <a:endParaRPr lang="zh-TW" altLang="en-US"/>
           </a:p>
@@ -1265,7 +1265,7 @@
             <a:fld id="{50B99440-D9EF-40CC-9B52-F6428D9B2C76}" type="datetime1">
               <a:rPr lang="zh-TW" altLang="en-US" smtClean="0"/>
               <a:pPr/>
-              <a:t>2022/5/23</a:t>
+              <a:t>2022/6/4</a:t>
             </a:fld>
             <a:endParaRPr lang="zh-TW" altLang="en-US"/>
           </a:p>
@@ -1507,7 +1507,7 @@
             <a:fld id="{0871BF52-5C6C-4959-8E27-CECB68D39FE4}" type="datetime1">
               <a:rPr lang="zh-TW" altLang="en-US" smtClean="0"/>
               <a:pPr/>
-              <a:t>2022/5/23</a:t>
+              <a:t>2022/6/4</a:t>
             </a:fld>
             <a:endParaRPr lang="zh-TW" altLang="en-US"/>
           </a:p>
@@ -1789,7 +1789,7 @@
             <a:fld id="{DF863F05-2DD9-4EB1-A827-12FD992DE9DC}" type="datetime1">
               <a:rPr lang="zh-TW" altLang="en-US" smtClean="0"/>
               <a:pPr/>
-              <a:t>2022/5/23</a:t>
+              <a:t>2022/6/4</a:t>
             </a:fld>
             <a:endParaRPr lang="zh-TW" altLang="en-US"/>
           </a:p>
@@ -2205,7 +2205,7 @@
             <a:fld id="{6339AF51-4491-4873-A096-75DB6CE47516}" type="datetime1">
               <a:rPr lang="zh-TW" altLang="en-US" smtClean="0"/>
               <a:pPr/>
-              <a:t>2022/5/23</a:t>
+              <a:t>2022/6/4</a:t>
             </a:fld>
             <a:endParaRPr lang="zh-TW" altLang="en-US"/>
           </a:p>
@@ -2319,7 +2319,7 @@
             <a:fld id="{EE4AD9C8-8B9E-40FF-ABE2-858AC2057BBB}" type="datetime1">
               <a:rPr lang="zh-TW" altLang="en-US" smtClean="0"/>
               <a:pPr/>
-              <a:t>2022/5/23</a:t>
+              <a:t>2022/6/4</a:t>
             </a:fld>
             <a:endParaRPr lang="zh-TW" altLang="en-US"/>
           </a:p>
@@ -2411,7 +2411,7 @@
             <a:fld id="{B4784999-BBBE-4BE4-A8D0-877E7D1D66CC}" type="datetime1">
               <a:rPr lang="zh-TW" altLang="en-US" smtClean="0"/>
               <a:pPr/>
-              <a:t>2022/5/23</a:t>
+              <a:t>2022/6/4</a:t>
             </a:fld>
             <a:endParaRPr lang="zh-TW" altLang="en-US"/>
           </a:p>
@@ -2683,7 +2683,7 @@
             <a:fld id="{E88D17E6-02BD-4944-B9FE-7BFCCBF83D48}" type="datetime1">
               <a:rPr lang="zh-TW" altLang="en-US" smtClean="0"/>
               <a:pPr/>
-              <a:t>2022/5/23</a:t>
+              <a:t>2022/6/4</a:t>
             </a:fld>
             <a:endParaRPr lang="zh-TW" altLang="en-US"/>
           </a:p>
@@ -2932,7 +2932,7 @@
             <a:fld id="{3C13E23D-1FEF-4D78-A3A3-3D6F2BB31954}" type="datetime1">
               <a:rPr lang="zh-TW" altLang="en-US" smtClean="0"/>
               <a:pPr/>
-              <a:t>2022/5/23</a:t>
+              <a:t>2022/6/4</a:t>
             </a:fld>
             <a:endParaRPr lang="zh-TW" altLang="en-US"/>
           </a:p>
@@ -3140,7 +3140,7 @@
             <a:fld id="{06197F35-AD6F-4594-8B50-334492D2E7E8}" type="datetime1">
               <a:rPr lang="zh-TW" altLang="en-US" smtClean="0"/>
               <a:pPr/>
-              <a:t>2022/5/23</a:t>
+              <a:t>2022/6/4</a:t>
             </a:fld>
             <a:endParaRPr lang="zh-TW" altLang="en-US"/>
           </a:p>
@@ -3602,7 +3602,7 @@
             <a:fld id="{C389EDC9-19E3-47AC-9C57-C6A24DEA81AD}" type="datetime1">
               <a:rPr lang="zh-TW" altLang="en-US" smtClean="0"/>
               <a:pPr/>
-              <a:t>2022/5/23</a:t>
+              <a:t>2022/6/4</a:t>
             </a:fld>
             <a:endParaRPr lang="zh-TW" altLang="en-US"/>
           </a:p>
@@ -4079,7 +4079,16 @@
                 </a:solidFill>
                 <a:effectLst/>
               </a:rPr>
-              <a:t>. Mid Term Exam</a:t>
+              <a:t>. Git </a:t>
+            </a:r>
+            <a:r>
+              <a:rPr lang="en-US" sz="1800" b="0" i="0">
+                <a:solidFill>
+                  <a:srgbClr val="3A3A3A"/>
+                </a:solidFill>
+                <a:effectLst/>
+              </a:rPr>
+              <a:t>and GitHub</a:t>
             </a:r>
             <a:endParaRPr lang="en-US" sz="1800" b="1" dirty="0">
               <a:solidFill>
@@ -4180,7 +4189,7 @@
             <a:fld id="{A4F910E6-8D00-4BAF-8C48-9688E0B449D3}" type="datetime1">
               <a:rPr lang="zh-TW" altLang="en-US" smtClean="0"/>
               <a:pPr/>
-              <a:t>2022/5/23</a:t>
+              <a:t>2022/6/4</a:t>
             </a:fld>
             <a:endParaRPr lang="zh-TW" altLang="en-US"/>
           </a:p>
@@ -4668,7 +4677,7 @@
             <a:fld id="{A4F910E6-8D00-4BAF-8C48-9688E0B449D3}" type="datetime1">
               <a:rPr lang="zh-TW" altLang="en-US" smtClean="0"/>
               <a:pPr/>
-              <a:t>2022/5/23</a:t>
+              <a:t>2022/6/4</a:t>
             </a:fld>
             <a:endParaRPr lang="zh-TW" altLang="en-US"/>
           </a:p>
@@ -5354,7 +5363,7 @@
             <a:fld id="{A4F910E6-8D00-4BAF-8C48-9688E0B449D3}" type="datetime1">
               <a:rPr lang="zh-TW" altLang="en-US" smtClean="0"/>
               <a:pPr/>
-              <a:t>2022/5/23</a:t>
+              <a:t>2022/6/4</a:t>
             </a:fld>
             <a:endParaRPr lang="zh-TW" altLang="en-US"/>
           </a:p>
@@ -5705,7 +5714,7 @@
             <a:fld id="{A4F910E6-8D00-4BAF-8C48-9688E0B449D3}" type="datetime1">
               <a:rPr lang="zh-TW" altLang="en-US" smtClean="0"/>
               <a:pPr/>
-              <a:t>2022/5/23</a:t>
+              <a:t>2022/6/4</a:t>
             </a:fld>
             <a:endParaRPr lang="zh-TW" altLang="en-US"/>
           </a:p>
@@ -5852,7 +5861,7 @@
             <a:fld id="{4E46BE27-E923-4EC2-B046-3272AE2A3E5C}" type="datetime1">
               <a:rPr lang="zh-TW" altLang="en-US" smtClean="0"/>
               <a:pPr/>
-              <a:t>2022/5/23</a:t>
+              <a:t>2022/6/4</a:t>
             </a:fld>
             <a:endParaRPr lang="zh-TW" altLang="en-US"/>
           </a:p>

--- a/00_Python_DataScience_Syllabus.pptx
+++ b/00_Python_DataScience_Syllabus.pptx
@@ -214,7 +214,7 @@
             <a:fld id="{6837EDA8-41C8-4B24-A206-13C08A65A6D7}" type="datetimeFigureOut">
               <a:rPr lang="zh-TW" altLang="en-US" smtClean="0"/>
               <a:pPr/>
-              <a:t>2022/6/4</a:t>
+              <a:t>2022/6/12</a:t>
             </a:fld>
             <a:endParaRPr lang="zh-TW" altLang="en-US"/>
           </a:p>
@@ -752,7 +752,7 @@
             <a:fld id="{8B85509C-BD4F-47BF-9B1E-FC2E949B3621}" type="datetime1">
               <a:rPr lang="zh-TW" altLang="en-US" smtClean="0"/>
               <a:pPr/>
-              <a:t>2022/6/4</a:t>
+              <a:t>2022/6/12</a:t>
             </a:fld>
             <a:endParaRPr lang="zh-TW" altLang="en-US"/>
           </a:p>
@@ -925,7 +925,7 @@
             <a:fld id="{42251B24-F787-4C15-8A0F-7AEC20C70069}" type="datetime1">
               <a:rPr lang="zh-TW" altLang="en-US" smtClean="0"/>
               <a:pPr/>
-              <a:t>2022/6/4</a:t>
+              <a:t>2022/6/12</a:t>
             </a:fld>
             <a:endParaRPr lang="zh-TW" altLang="en-US"/>
           </a:p>
@@ -1100,7 +1100,7 @@
             <a:fld id="{9CA0D33C-CE2B-45F1-B8D4-FFD1F131F331}" type="datetime1">
               <a:rPr lang="zh-TW" altLang="en-US" smtClean="0"/>
               <a:pPr/>
-              <a:t>2022/6/4</a:t>
+              <a:t>2022/6/12</a:t>
             </a:fld>
             <a:endParaRPr lang="zh-TW" altLang="en-US"/>
           </a:p>
@@ -1265,7 +1265,7 @@
             <a:fld id="{50B99440-D9EF-40CC-9B52-F6428D9B2C76}" type="datetime1">
               <a:rPr lang="zh-TW" altLang="en-US" smtClean="0"/>
               <a:pPr/>
-              <a:t>2022/6/4</a:t>
+              <a:t>2022/6/12</a:t>
             </a:fld>
             <a:endParaRPr lang="zh-TW" altLang="en-US"/>
           </a:p>
@@ -1507,7 +1507,7 @@
             <a:fld id="{0871BF52-5C6C-4959-8E27-CECB68D39FE4}" type="datetime1">
               <a:rPr lang="zh-TW" altLang="en-US" smtClean="0"/>
               <a:pPr/>
-              <a:t>2022/6/4</a:t>
+              <a:t>2022/6/12</a:t>
             </a:fld>
             <a:endParaRPr lang="zh-TW" altLang="en-US"/>
           </a:p>
@@ -1789,7 +1789,7 @@
             <a:fld id="{DF863F05-2DD9-4EB1-A827-12FD992DE9DC}" type="datetime1">
               <a:rPr lang="zh-TW" altLang="en-US" smtClean="0"/>
               <a:pPr/>
-              <a:t>2022/6/4</a:t>
+              <a:t>2022/6/12</a:t>
             </a:fld>
             <a:endParaRPr lang="zh-TW" altLang="en-US"/>
           </a:p>
@@ -2205,7 +2205,7 @@
             <a:fld id="{6339AF51-4491-4873-A096-75DB6CE47516}" type="datetime1">
               <a:rPr lang="zh-TW" altLang="en-US" smtClean="0"/>
               <a:pPr/>
-              <a:t>2022/6/4</a:t>
+              <a:t>2022/6/12</a:t>
             </a:fld>
             <a:endParaRPr lang="zh-TW" altLang="en-US"/>
           </a:p>
@@ -2319,7 +2319,7 @@
             <a:fld id="{EE4AD9C8-8B9E-40FF-ABE2-858AC2057BBB}" type="datetime1">
               <a:rPr lang="zh-TW" altLang="en-US" smtClean="0"/>
               <a:pPr/>
-              <a:t>2022/6/4</a:t>
+              <a:t>2022/6/12</a:t>
             </a:fld>
             <a:endParaRPr lang="zh-TW" altLang="en-US"/>
           </a:p>
@@ -2411,7 +2411,7 @@
             <a:fld id="{B4784999-BBBE-4BE4-A8D0-877E7D1D66CC}" type="datetime1">
               <a:rPr lang="zh-TW" altLang="en-US" smtClean="0"/>
               <a:pPr/>
-              <a:t>2022/6/4</a:t>
+              <a:t>2022/6/12</a:t>
             </a:fld>
             <a:endParaRPr lang="zh-TW" altLang="en-US"/>
           </a:p>
@@ -2683,7 +2683,7 @@
             <a:fld id="{E88D17E6-02BD-4944-B9FE-7BFCCBF83D48}" type="datetime1">
               <a:rPr lang="zh-TW" altLang="en-US" smtClean="0"/>
               <a:pPr/>
-              <a:t>2022/6/4</a:t>
+              <a:t>2022/6/12</a:t>
             </a:fld>
             <a:endParaRPr lang="zh-TW" altLang="en-US"/>
           </a:p>
@@ -2932,7 +2932,7 @@
             <a:fld id="{3C13E23D-1FEF-4D78-A3A3-3D6F2BB31954}" type="datetime1">
               <a:rPr lang="zh-TW" altLang="en-US" smtClean="0"/>
               <a:pPr/>
-              <a:t>2022/6/4</a:t>
+              <a:t>2022/6/12</a:t>
             </a:fld>
             <a:endParaRPr lang="zh-TW" altLang="en-US"/>
           </a:p>
@@ -3140,7 +3140,7 @@
             <a:fld id="{06197F35-AD6F-4594-8B50-334492D2E7E8}" type="datetime1">
               <a:rPr lang="zh-TW" altLang="en-US" smtClean="0"/>
               <a:pPr/>
-              <a:t>2022/6/4</a:t>
+              <a:t>2022/6/12</a:t>
             </a:fld>
             <a:endParaRPr lang="zh-TW" altLang="en-US"/>
           </a:p>
@@ -3602,7 +3602,7 @@
             <a:fld id="{C389EDC9-19E3-47AC-9C57-C6A24DEA81AD}" type="datetime1">
               <a:rPr lang="zh-TW" altLang="en-US" smtClean="0"/>
               <a:pPr/>
-              <a:t>2022/6/4</a:t>
+              <a:t>2022/6/12</a:t>
             </a:fld>
             <a:endParaRPr lang="zh-TW" altLang="en-US"/>
           </a:p>
@@ -4189,7 +4189,7 @@
             <a:fld id="{A4F910E6-8D00-4BAF-8C48-9688E0B449D3}" type="datetime1">
               <a:rPr lang="zh-TW" altLang="en-US" smtClean="0"/>
               <a:pPr/>
-              <a:t>2022/6/4</a:t>
+              <a:t>2022/6/12</a:t>
             </a:fld>
             <a:endParaRPr lang="zh-TW" altLang="en-US"/>
           </a:p>
@@ -4581,8 +4581,21 @@
                   <a:srgbClr val="3C3B37"/>
                 </a:solidFill>
               </a:rPr>
-              <a:t>15. Final Exam</a:t>
-            </a:r>
+              <a:t>15. </a:t>
+            </a:r>
+            <a:r>
+              <a:rPr lang="en-US" sz="1800">
+                <a:solidFill>
+                  <a:srgbClr val="3C3B37"/>
+                </a:solidFill>
+              </a:rPr>
+              <a:t>pytest</a:t>
+            </a:r>
+            <a:endParaRPr lang="en-US" sz="1800" dirty="0">
+              <a:solidFill>
+                <a:srgbClr val="3C3B37"/>
+              </a:solidFill>
+            </a:endParaRPr>
           </a:p>
         </p:txBody>
       </p:sp>
@@ -4677,7 +4690,7 @@
             <a:fld id="{A4F910E6-8D00-4BAF-8C48-9688E0B449D3}" type="datetime1">
               <a:rPr lang="zh-TW" altLang="en-US" smtClean="0"/>
               <a:pPr/>
-              <a:t>2022/6/4</a:t>
+              <a:t>2022/6/12</a:t>
             </a:fld>
             <a:endParaRPr lang="zh-TW" altLang="en-US"/>
           </a:p>
@@ -5363,7 +5376,7 @@
             <a:fld id="{A4F910E6-8D00-4BAF-8C48-9688E0B449D3}" type="datetime1">
               <a:rPr lang="zh-TW" altLang="en-US" smtClean="0"/>
               <a:pPr/>
-              <a:t>2022/6/4</a:t>
+              <a:t>2022/6/12</a:t>
             </a:fld>
             <a:endParaRPr lang="zh-TW" altLang="en-US"/>
           </a:p>
@@ -5714,7 +5727,7 @@
             <a:fld id="{A4F910E6-8D00-4BAF-8C48-9688E0B449D3}" type="datetime1">
               <a:rPr lang="zh-TW" altLang="en-US" smtClean="0"/>
               <a:pPr/>
-              <a:t>2022/6/4</a:t>
+              <a:t>2022/6/12</a:t>
             </a:fld>
             <a:endParaRPr lang="zh-TW" altLang="en-US"/>
           </a:p>
@@ -5861,7 +5874,7 @@
             <a:fld id="{4E46BE27-E923-4EC2-B046-3272AE2A3E5C}" type="datetime1">
               <a:rPr lang="zh-TW" altLang="en-US" smtClean="0"/>
               <a:pPr/>
-              <a:t>2022/6/4</a:t>
+              <a:t>2022/6/12</a:t>
             </a:fld>
             <a:endParaRPr lang="zh-TW" altLang="en-US"/>
           </a:p>

--- a/00_Python_DataScience_Syllabus.pptx
+++ b/00_Python_DataScience_Syllabus.pptx
@@ -214,7 +214,7 @@
             <a:fld id="{6837EDA8-41C8-4B24-A206-13C08A65A6D7}" type="datetimeFigureOut">
               <a:rPr lang="zh-TW" altLang="en-US" smtClean="0"/>
               <a:pPr/>
-              <a:t>2022/6/12</a:t>
+              <a:t>2022/6/26</a:t>
             </a:fld>
             <a:endParaRPr lang="zh-TW" altLang="en-US"/>
           </a:p>
@@ -752,7 +752,7 @@
             <a:fld id="{8B85509C-BD4F-47BF-9B1E-FC2E949B3621}" type="datetime1">
               <a:rPr lang="zh-TW" altLang="en-US" smtClean="0"/>
               <a:pPr/>
-              <a:t>2022/6/12</a:t>
+              <a:t>2022/6/26</a:t>
             </a:fld>
             <a:endParaRPr lang="zh-TW" altLang="en-US"/>
           </a:p>
@@ -925,7 +925,7 @@
             <a:fld id="{42251B24-F787-4C15-8A0F-7AEC20C70069}" type="datetime1">
               <a:rPr lang="zh-TW" altLang="en-US" smtClean="0"/>
               <a:pPr/>
-              <a:t>2022/6/12</a:t>
+              <a:t>2022/6/26</a:t>
             </a:fld>
             <a:endParaRPr lang="zh-TW" altLang="en-US"/>
           </a:p>
@@ -1100,7 +1100,7 @@
             <a:fld id="{9CA0D33C-CE2B-45F1-B8D4-FFD1F131F331}" type="datetime1">
               <a:rPr lang="zh-TW" altLang="en-US" smtClean="0"/>
               <a:pPr/>
-              <a:t>2022/6/12</a:t>
+              <a:t>2022/6/26</a:t>
             </a:fld>
             <a:endParaRPr lang="zh-TW" altLang="en-US"/>
           </a:p>
@@ -1265,7 +1265,7 @@
             <a:fld id="{50B99440-D9EF-40CC-9B52-F6428D9B2C76}" type="datetime1">
               <a:rPr lang="zh-TW" altLang="en-US" smtClean="0"/>
               <a:pPr/>
-              <a:t>2022/6/12</a:t>
+              <a:t>2022/6/26</a:t>
             </a:fld>
             <a:endParaRPr lang="zh-TW" altLang="en-US"/>
           </a:p>
@@ -1507,7 +1507,7 @@
             <a:fld id="{0871BF52-5C6C-4959-8E27-CECB68D39FE4}" type="datetime1">
               <a:rPr lang="zh-TW" altLang="en-US" smtClean="0"/>
               <a:pPr/>
-              <a:t>2022/6/12</a:t>
+              <a:t>2022/6/26</a:t>
             </a:fld>
             <a:endParaRPr lang="zh-TW" altLang="en-US"/>
           </a:p>
@@ -1789,7 +1789,7 @@
             <a:fld id="{DF863F05-2DD9-4EB1-A827-12FD992DE9DC}" type="datetime1">
               <a:rPr lang="zh-TW" altLang="en-US" smtClean="0"/>
               <a:pPr/>
-              <a:t>2022/6/12</a:t>
+              <a:t>2022/6/26</a:t>
             </a:fld>
             <a:endParaRPr lang="zh-TW" altLang="en-US"/>
           </a:p>
@@ -2205,7 +2205,7 @@
             <a:fld id="{6339AF51-4491-4873-A096-75DB6CE47516}" type="datetime1">
               <a:rPr lang="zh-TW" altLang="en-US" smtClean="0"/>
               <a:pPr/>
-              <a:t>2022/6/12</a:t>
+              <a:t>2022/6/26</a:t>
             </a:fld>
             <a:endParaRPr lang="zh-TW" altLang="en-US"/>
           </a:p>
@@ -2319,7 +2319,7 @@
             <a:fld id="{EE4AD9C8-8B9E-40FF-ABE2-858AC2057BBB}" type="datetime1">
               <a:rPr lang="zh-TW" altLang="en-US" smtClean="0"/>
               <a:pPr/>
-              <a:t>2022/6/12</a:t>
+              <a:t>2022/6/26</a:t>
             </a:fld>
             <a:endParaRPr lang="zh-TW" altLang="en-US"/>
           </a:p>
@@ -2411,7 +2411,7 @@
             <a:fld id="{B4784999-BBBE-4BE4-A8D0-877E7D1D66CC}" type="datetime1">
               <a:rPr lang="zh-TW" altLang="en-US" smtClean="0"/>
               <a:pPr/>
-              <a:t>2022/6/12</a:t>
+              <a:t>2022/6/26</a:t>
             </a:fld>
             <a:endParaRPr lang="zh-TW" altLang="en-US"/>
           </a:p>
@@ -2683,7 +2683,7 @@
             <a:fld id="{E88D17E6-02BD-4944-B9FE-7BFCCBF83D48}" type="datetime1">
               <a:rPr lang="zh-TW" altLang="en-US" smtClean="0"/>
               <a:pPr/>
-              <a:t>2022/6/12</a:t>
+              <a:t>2022/6/26</a:t>
             </a:fld>
             <a:endParaRPr lang="zh-TW" altLang="en-US"/>
           </a:p>
@@ -2932,7 +2932,7 @@
             <a:fld id="{3C13E23D-1FEF-4D78-A3A3-3D6F2BB31954}" type="datetime1">
               <a:rPr lang="zh-TW" altLang="en-US" smtClean="0"/>
               <a:pPr/>
-              <a:t>2022/6/12</a:t>
+              <a:t>2022/6/26</a:t>
             </a:fld>
             <a:endParaRPr lang="zh-TW" altLang="en-US"/>
           </a:p>
@@ -3140,7 +3140,7 @@
             <a:fld id="{06197F35-AD6F-4594-8B50-334492D2E7E8}" type="datetime1">
               <a:rPr lang="zh-TW" altLang="en-US" smtClean="0"/>
               <a:pPr/>
-              <a:t>2022/6/12</a:t>
+              <a:t>2022/6/26</a:t>
             </a:fld>
             <a:endParaRPr lang="zh-TW" altLang="en-US"/>
           </a:p>
@@ -3602,7 +3602,7 @@
             <a:fld id="{C389EDC9-19E3-47AC-9C57-C6A24DEA81AD}" type="datetime1">
               <a:rPr lang="zh-TW" altLang="en-US" smtClean="0"/>
               <a:pPr/>
-              <a:t>2022/6/12</a:t>
+              <a:t>2022/6/26</a:t>
             </a:fld>
             <a:endParaRPr lang="zh-TW" altLang="en-US"/>
           </a:p>
@@ -3782,7 +3782,7 @@
         <p:spPr>
           <a:xfrm>
             <a:off x="457200" y="1152181"/>
-            <a:ext cx="8352928" cy="4581075"/>
+            <a:ext cx="8352928" cy="4255197"/>
           </a:xfrm>
           <a:ln>
             <a:solidFill>
@@ -4054,46 +4054,6 @@
                 <a:srgbClr val="3A3A3A"/>
               </a:solidFill>
               <a:effectLst/>
-            </a:endParaRPr>
-          </a:p>
-          <a:p>
-            <a:pPr marL="465138" indent="-465138" algn="l">
-              <a:buClr>
-                <a:srgbClr val="0070C0"/>
-              </a:buClr>
-              <a:buFont typeface="Wingdings" pitchFamily="2" charset="2"/>
-              <a:buChar char="u"/>
-            </a:pPr>
-            <a:r>
-              <a:rPr lang="en-US" sz="1800" dirty="0">
-                <a:solidFill>
-                  <a:srgbClr val="3A3A3A"/>
-                </a:solidFill>
-              </a:rPr>
-              <a:t>8</a:t>
-            </a:r>
-            <a:r>
-              <a:rPr lang="en-US" sz="1800" b="0" i="0" dirty="0">
-                <a:solidFill>
-                  <a:srgbClr val="3A3A3A"/>
-                </a:solidFill>
-                <a:effectLst/>
-              </a:rPr>
-              <a:t>. Git </a:t>
-            </a:r>
-            <a:r>
-              <a:rPr lang="en-US" sz="1800" b="0" i="0">
-                <a:solidFill>
-                  <a:srgbClr val="3A3A3A"/>
-                </a:solidFill>
-                <a:effectLst/>
-              </a:rPr>
-              <a:t>and GitHub</a:t>
-            </a:r>
-            <a:endParaRPr lang="en-US" sz="1800" b="1" dirty="0">
-              <a:solidFill>
-                <a:srgbClr val="3C3B37"/>
-              </a:solidFill>
             </a:endParaRPr>
           </a:p>
         </p:txBody>
@@ -4189,7 +4149,7 @@
             <a:fld id="{A4F910E6-8D00-4BAF-8C48-9688E0B449D3}" type="datetime1">
               <a:rPr lang="zh-TW" altLang="en-US" smtClean="0"/>
               <a:pPr/>
-              <a:t>2022/6/12</a:t>
+              <a:t>2022/6/26</a:t>
             </a:fld>
             <a:endParaRPr lang="zh-TW" altLang="en-US"/>
           </a:p>
@@ -4332,7 +4292,7 @@
         <p:spPr>
           <a:xfrm>
             <a:off x="457200" y="1152181"/>
-            <a:ext cx="8352928" cy="3500955"/>
+            <a:ext cx="8352928" cy="3933003"/>
           </a:xfrm>
           <a:ln>
             <a:solidFill>
@@ -4377,7 +4337,7 @@
                   <a:srgbClr val="3C3B37"/>
                 </a:solidFill>
               </a:rPr>
-              <a:t>9. Matplotlib</a:t>
+              <a:t>8. Matplotlib</a:t>
             </a:r>
           </a:p>
           <a:p>
@@ -4394,7 +4354,7 @@
                   <a:srgbClr val="3C3B37"/>
                 </a:solidFill>
               </a:rPr>
-              <a:t>10. Seaborn</a:t>
+              <a:t>9. Seaborn</a:t>
             </a:r>
           </a:p>
           <a:p>
@@ -4411,7 +4371,7 @@
                   <a:srgbClr val="3C3B37"/>
                 </a:solidFill>
               </a:rPr>
-              <a:t>11. </a:t>
+              <a:t>10. </a:t>
             </a:r>
             <a:r>
               <a:rPr lang="en-US" sz="1800" i="0" dirty="0">
@@ -4506,7 +4466,7 @@
                   <a:srgbClr val="3C3B37"/>
                 </a:solidFill>
               </a:rPr>
-              <a:t>12. GUI (2): </a:t>
+              <a:t>11. GUI (2): </a:t>
             </a:r>
             <a:r>
               <a:rPr lang="en-US" sz="1800" i="0" dirty="0">
@@ -4525,6 +4485,12 @@
               </a:rPr>
               <a:t>, Message, Radiobutton, Scale, Text, Toplevel, Spinbox, PanedWindow, LabelFrame, and messagebox.</a:t>
             </a:r>
+            <a:endParaRPr lang="en-US" sz="1800" i="0" dirty="0">
+              <a:solidFill>
+                <a:srgbClr val="3C3B37"/>
+              </a:solidFill>
+              <a:effectLst/>
+            </a:endParaRPr>
           </a:p>
           <a:p>
             <a:pPr marL="465138" indent="-465138" algn="l">
@@ -4535,14 +4501,19 @@
               <a:buChar char="u"/>
             </a:pPr>
             <a:r>
-              <a:rPr lang="en-US" sz="1800" i="0" dirty="0">
+              <a:rPr lang="en-US" sz="1800" dirty="0">
                 <a:solidFill>
                   <a:srgbClr val="3C3B37"/>
                 </a:solidFill>
-                <a:effectLst/>
-              </a:rPr>
-              <a:t>13. Docker Programming</a:t>
-            </a:r>
+              </a:rPr>
+              <a:t>12. unittest</a:t>
+            </a:r>
+            <a:endParaRPr lang="en-US" sz="1800" i="0" dirty="0">
+              <a:solidFill>
+                <a:srgbClr val="3C3B37"/>
+              </a:solidFill>
+              <a:effectLst/>
+            </a:endParaRPr>
           </a:p>
           <a:p>
             <a:pPr marL="465138" indent="-465138" algn="l">
@@ -4558,14 +4529,8 @@
                   <a:srgbClr val="3C3B37"/>
                 </a:solidFill>
               </a:rPr>
-              <a:t>14. unittest</a:t>
-            </a:r>
-            <a:endParaRPr lang="en-US" sz="1800" i="0" dirty="0">
-              <a:solidFill>
-                <a:srgbClr val="3C3B37"/>
-              </a:solidFill>
-              <a:effectLst/>
-            </a:endParaRPr>
+              <a:t>13. pytest</a:t>
+            </a:r>
           </a:p>
           <a:p>
             <a:pPr marL="465138" indent="-465138" algn="l">
@@ -4581,15 +4546,25 @@
                   <a:srgbClr val="3C3B37"/>
                 </a:solidFill>
               </a:rPr>
-              <a:t>15. </a:t>
-            </a:r>
-            <a:r>
-              <a:rPr lang="en-US" sz="1800">
-                <a:solidFill>
-                  <a:srgbClr val="3C3B37"/>
-                </a:solidFill>
-              </a:rPr>
-              <a:t>pytest</a:t>
+              <a:t>14. docker</a:t>
+            </a:r>
+          </a:p>
+          <a:p>
+            <a:pPr marL="465138" indent="-465138" algn="l">
+              <a:buClr>
+                <a:srgbClr val="0070C0"/>
+              </a:buClr>
+              <a:buFont typeface="Wingdings" pitchFamily="2" charset="2"/>
+              <a:buChar char="u"/>
+            </a:pPr>
+            <a:r>
+              <a:rPr lang="en-US" sz="1800" b="0" i="0" dirty="0">
+                <a:solidFill>
+                  <a:srgbClr val="3A3A3A"/>
+                </a:solidFill>
+                <a:effectLst/>
+              </a:rPr>
+              <a:t>15. Git and GitHub</a:t>
             </a:r>
             <a:endParaRPr lang="en-US" sz="1800" dirty="0">
               <a:solidFill>
@@ -4690,7 +4665,7 @@
             <a:fld id="{A4F910E6-8D00-4BAF-8C48-9688E0B449D3}" type="datetime1">
               <a:rPr lang="zh-TW" altLang="en-US" smtClean="0"/>
               <a:pPr/>
-              <a:t>2022/6/12</a:t>
+              <a:t>2022/6/26</a:t>
             </a:fld>
             <a:endParaRPr lang="zh-TW" altLang="en-US"/>
           </a:p>
@@ -5376,7 +5351,7 @@
             <a:fld id="{A4F910E6-8D00-4BAF-8C48-9688E0B449D3}" type="datetime1">
               <a:rPr lang="zh-TW" altLang="en-US" smtClean="0"/>
               <a:pPr/>
-              <a:t>2022/6/12</a:t>
+              <a:t>2022/6/26</a:t>
             </a:fld>
             <a:endParaRPr lang="zh-TW" altLang="en-US"/>
           </a:p>
@@ -5727,7 +5702,7 @@
             <a:fld id="{A4F910E6-8D00-4BAF-8C48-9688E0B449D3}" type="datetime1">
               <a:rPr lang="zh-TW" altLang="en-US" smtClean="0"/>
               <a:pPr/>
-              <a:t>2022/6/12</a:t>
+              <a:t>2022/6/26</a:t>
             </a:fld>
             <a:endParaRPr lang="zh-TW" altLang="en-US"/>
           </a:p>
@@ -5874,7 +5849,7 @@
             <a:fld id="{4E46BE27-E923-4EC2-B046-3272AE2A3E5C}" type="datetime1">
               <a:rPr lang="zh-TW" altLang="en-US" smtClean="0"/>
               <a:pPr/>
-              <a:t>2022/6/12</a:t>
+              <a:t>2022/6/26</a:t>
             </a:fld>
             <a:endParaRPr lang="zh-TW" altLang="en-US"/>
           </a:p>

--- a/00_Python_DataScience_Syllabus.pptx
+++ b/00_Python_DataScience_Syllabus.pptx
@@ -214,7 +214,7 @@
             <a:fld id="{6837EDA8-41C8-4B24-A206-13C08A65A6D7}" type="datetimeFigureOut">
               <a:rPr lang="zh-TW" altLang="en-US" smtClean="0"/>
               <a:pPr/>
-              <a:t>2022/6/26</a:t>
+              <a:t>2022/7/10</a:t>
             </a:fld>
             <a:endParaRPr lang="zh-TW" altLang="en-US"/>
           </a:p>
@@ -752,7 +752,7 @@
             <a:fld id="{8B85509C-BD4F-47BF-9B1E-FC2E949B3621}" type="datetime1">
               <a:rPr lang="zh-TW" altLang="en-US" smtClean="0"/>
               <a:pPr/>
-              <a:t>2022/6/26</a:t>
+              <a:t>2022/7/10</a:t>
             </a:fld>
             <a:endParaRPr lang="zh-TW" altLang="en-US"/>
           </a:p>
@@ -925,7 +925,7 @@
             <a:fld id="{42251B24-F787-4C15-8A0F-7AEC20C70069}" type="datetime1">
               <a:rPr lang="zh-TW" altLang="en-US" smtClean="0"/>
               <a:pPr/>
-              <a:t>2022/6/26</a:t>
+              <a:t>2022/7/10</a:t>
             </a:fld>
             <a:endParaRPr lang="zh-TW" altLang="en-US"/>
           </a:p>
@@ -1100,7 +1100,7 @@
             <a:fld id="{9CA0D33C-CE2B-45F1-B8D4-FFD1F131F331}" type="datetime1">
               <a:rPr lang="zh-TW" altLang="en-US" smtClean="0"/>
               <a:pPr/>
-              <a:t>2022/6/26</a:t>
+              <a:t>2022/7/10</a:t>
             </a:fld>
             <a:endParaRPr lang="zh-TW" altLang="en-US"/>
           </a:p>
@@ -1265,7 +1265,7 @@
             <a:fld id="{50B99440-D9EF-40CC-9B52-F6428D9B2C76}" type="datetime1">
               <a:rPr lang="zh-TW" altLang="en-US" smtClean="0"/>
               <a:pPr/>
-              <a:t>2022/6/26</a:t>
+              <a:t>2022/7/10</a:t>
             </a:fld>
             <a:endParaRPr lang="zh-TW" altLang="en-US"/>
           </a:p>
@@ -1507,7 +1507,7 @@
             <a:fld id="{0871BF52-5C6C-4959-8E27-CECB68D39FE4}" type="datetime1">
               <a:rPr lang="zh-TW" altLang="en-US" smtClean="0"/>
               <a:pPr/>
-              <a:t>2022/6/26</a:t>
+              <a:t>2022/7/10</a:t>
             </a:fld>
             <a:endParaRPr lang="zh-TW" altLang="en-US"/>
           </a:p>
@@ -1789,7 +1789,7 @@
             <a:fld id="{DF863F05-2DD9-4EB1-A827-12FD992DE9DC}" type="datetime1">
               <a:rPr lang="zh-TW" altLang="en-US" smtClean="0"/>
               <a:pPr/>
-              <a:t>2022/6/26</a:t>
+              <a:t>2022/7/10</a:t>
             </a:fld>
             <a:endParaRPr lang="zh-TW" altLang="en-US"/>
           </a:p>
@@ -2205,7 +2205,7 @@
             <a:fld id="{6339AF51-4491-4873-A096-75DB6CE47516}" type="datetime1">
               <a:rPr lang="zh-TW" altLang="en-US" smtClean="0"/>
               <a:pPr/>
-              <a:t>2022/6/26</a:t>
+              <a:t>2022/7/10</a:t>
             </a:fld>
             <a:endParaRPr lang="zh-TW" altLang="en-US"/>
           </a:p>
@@ -2319,7 +2319,7 @@
             <a:fld id="{EE4AD9C8-8B9E-40FF-ABE2-858AC2057BBB}" type="datetime1">
               <a:rPr lang="zh-TW" altLang="en-US" smtClean="0"/>
               <a:pPr/>
-              <a:t>2022/6/26</a:t>
+              <a:t>2022/7/10</a:t>
             </a:fld>
             <a:endParaRPr lang="zh-TW" altLang="en-US"/>
           </a:p>
@@ -2411,7 +2411,7 @@
             <a:fld id="{B4784999-BBBE-4BE4-A8D0-877E7D1D66CC}" type="datetime1">
               <a:rPr lang="zh-TW" altLang="en-US" smtClean="0"/>
               <a:pPr/>
-              <a:t>2022/6/26</a:t>
+              <a:t>2022/7/10</a:t>
             </a:fld>
             <a:endParaRPr lang="zh-TW" altLang="en-US"/>
           </a:p>
@@ -2683,7 +2683,7 @@
             <a:fld id="{E88D17E6-02BD-4944-B9FE-7BFCCBF83D48}" type="datetime1">
               <a:rPr lang="zh-TW" altLang="en-US" smtClean="0"/>
               <a:pPr/>
-              <a:t>2022/6/26</a:t>
+              <a:t>2022/7/10</a:t>
             </a:fld>
             <a:endParaRPr lang="zh-TW" altLang="en-US"/>
           </a:p>
@@ -2932,7 +2932,7 @@
             <a:fld id="{3C13E23D-1FEF-4D78-A3A3-3D6F2BB31954}" type="datetime1">
               <a:rPr lang="zh-TW" altLang="en-US" smtClean="0"/>
               <a:pPr/>
-              <a:t>2022/6/26</a:t>
+              <a:t>2022/7/10</a:t>
             </a:fld>
             <a:endParaRPr lang="zh-TW" altLang="en-US"/>
           </a:p>
@@ -3140,7 +3140,7 @@
             <a:fld id="{06197F35-AD6F-4594-8B50-334492D2E7E8}" type="datetime1">
               <a:rPr lang="zh-TW" altLang="en-US" smtClean="0"/>
               <a:pPr/>
-              <a:t>2022/6/26</a:t>
+              <a:t>2022/7/10</a:t>
             </a:fld>
             <a:endParaRPr lang="zh-TW" altLang="en-US"/>
           </a:p>
@@ -3602,7 +3602,7 @@
             <a:fld id="{C389EDC9-19E3-47AC-9C57-C6A24DEA81AD}" type="datetime1">
               <a:rPr lang="zh-TW" altLang="en-US" smtClean="0"/>
               <a:pPr/>
-              <a:t>2022/6/26</a:t>
+              <a:t>2022/7/10</a:t>
             </a:fld>
             <a:endParaRPr lang="zh-TW" altLang="en-US"/>
           </a:p>
@@ -4149,7 +4149,7 @@
             <a:fld id="{A4F910E6-8D00-4BAF-8C48-9688E0B449D3}" type="datetime1">
               <a:rPr lang="zh-TW" altLang="en-US" smtClean="0"/>
               <a:pPr/>
-              <a:t>2022/6/26</a:t>
+              <a:t>2022/7/10</a:t>
             </a:fld>
             <a:endParaRPr lang="zh-TW" altLang="en-US"/>
           </a:p>
@@ -4564,7 +4564,16 @@
                 </a:solidFill>
                 <a:effectLst/>
               </a:rPr>
-              <a:t>15. Git and GitHub</a:t>
+              <a:t>15. Git, GitHub</a:t>
+            </a:r>
+            <a:r>
+              <a:rPr lang="en-US" sz="1800" b="0" i="0">
+                <a:solidFill>
+                  <a:srgbClr val="3A3A3A"/>
+                </a:solidFill>
+                <a:effectLst/>
+              </a:rPr>
+              <a:t>, and GitLab</a:t>
             </a:r>
             <a:endParaRPr lang="en-US" sz="1800" dirty="0">
               <a:solidFill>
@@ -4665,7 +4674,7 @@
             <a:fld id="{A4F910E6-8D00-4BAF-8C48-9688E0B449D3}" type="datetime1">
               <a:rPr lang="zh-TW" altLang="en-US" smtClean="0"/>
               <a:pPr/>
-              <a:t>2022/6/26</a:t>
+              <a:t>2022/7/10</a:t>
             </a:fld>
             <a:endParaRPr lang="zh-TW" altLang="en-US"/>
           </a:p>
@@ -5351,7 +5360,7 @@
             <a:fld id="{A4F910E6-8D00-4BAF-8C48-9688E0B449D3}" type="datetime1">
               <a:rPr lang="zh-TW" altLang="en-US" smtClean="0"/>
               <a:pPr/>
-              <a:t>2022/6/26</a:t>
+              <a:t>2022/7/10</a:t>
             </a:fld>
             <a:endParaRPr lang="zh-TW" altLang="en-US"/>
           </a:p>
@@ -5702,7 +5711,7 @@
             <a:fld id="{A4F910E6-8D00-4BAF-8C48-9688E0B449D3}" type="datetime1">
               <a:rPr lang="zh-TW" altLang="en-US" smtClean="0"/>
               <a:pPr/>
-              <a:t>2022/6/26</a:t>
+              <a:t>2022/7/10</a:t>
             </a:fld>
             <a:endParaRPr lang="zh-TW" altLang="en-US"/>
           </a:p>
@@ -5849,7 +5858,7 @@
             <a:fld id="{4E46BE27-E923-4EC2-B046-3272AE2A3E5C}" type="datetime1">
               <a:rPr lang="zh-TW" altLang="en-US" smtClean="0"/>
               <a:pPr/>
-              <a:t>2022/6/26</a:t>
+              <a:t>2022/7/10</a:t>
             </a:fld>
             <a:endParaRPr lang="zh-TW" altLang="en-US"/>
           </a:p>

--- a/00_Python_DataScience_Syllabus.pptx
+++ b/00_Python_DataScience_Syllabus.pptx
@@ -4564,7 +4564,7 @@
                 </a:solidFill>
                 <a:effectLst/>
               </a:rPr>
-              <a:t>15. Git, GitHub</a:t>
+              <a:t>15. Git, GitHub, GitLab, </a:t>
             </a:r>
             <a:r>
               <a:rPr lang="en-US" sz="1800" b="0" i="0">
@@ -4573,7 +4573,7 @@
                 </a:solidFill>
                 <a:effectLst/>
               </a:rPr>
-              <a:t>, and GitLab</a:t>
+              <a:t>and gitlab-runner CI/CD</a:t>
             </a:r>
             <a:endParaRPr lang="en-US" sz="1800" dirty="0">
               <a:solidFill>

--- a/00_Python_DataScience_Syllabus.pptx
+++ b/00_Python_DataScience_Syllabus.pptx
@@ -214,7 +214,7 @@
             <a:fld id="{6837EDA8-41C8-4B24-A206-13C08A65A6D7}" type="datetimeFigureOut">
               <a:rPr lang="zh-TW" altLang="en-US" smtClean="0"/>
               <a:pPr/>
-              <a:t>2022/7/10</a:t>
+              <a:t>2022/7/22</a:t>
             </a:fld>
             <a:endParaRPr lang="zh-TW" altLang="en-US"/>
           </a:p>
@@ -752,7 +752,7 @@
             <a:fld id="{8B85509C-BD4F-47BF-9B1E-FC2E949B3621}" type="datetime1">
               <a:rPr lang="zh-TW" altLang="en-US" smtClean="0"/>
               <a:pPr/>
-              <a:t>2022/7/10</a:t>
+              <a:t>2022/7/22</a:t>
             </a:fld>
             <a:endParaRPr lang="zh-TW" altLang="en-US"/>
           </a:p>
@@ -925,7 +925,7 @@
             <a:fld id="{42251B24-F787-4C15-8A0F-7AEC20C70069}" type="datetime1">
               <a:rPr lang="zh-TW" altLang="en-US" smtClean="0"/>
               <a:pPr/>
-              <a:t>2022/7/10</a:t>
+              <a:t>2022/7/22</a:t>
             </a:fld>
             <a:endParaRPr lang="zh-TW" altLang="en-US"/>
           </a:p>
@@ -1100,7 +1100,7 @@
             <a:fld id="{9CA0D33C-CE2B-45F1-B8D4-FFD1F131F331}" type="datetime1">
               <a:rPr lang="zh-TW" altLang="en-US" smtClean="0"/>
               <a:pPr/>
-              <a:t>2022/7/10</a:t>
+              <a:t>2022/7/22</a:t>
             </a:fld>
             <a:endParaRPr lang="zh-TW" altLang="en-US"/>
           </a:p>
@@ -1265,7 +1265,7 @@
             <a:fld id="{50B99440-D9EF-40CC-9B52-F6428D9B2C76}" type="datetime1">
               <a:rPr lang="zh-TW" altLang="en-US" smtClean="0"/>
               <a:pPr/>
-              <a:t>2022/7/10</a:t>
+              <a:t>2022/7/22</a:t>
             </a:fld>
             <a:endParaRPr lang="zh-TW" altLang="en-US"/>
           </a:p>
@@ -1507,7 +1507,7 @@
             <a:fld id="{0871BF52-5C6C-4959-8E27-CECB68D39FE4}" type="datetime1">
               <a:rPr lang="zh-TW" altLang="en-US" smtClean="0"/>
               <a:pPr/>
-              <a:t>2022/7/10</a:t>
+              <a:t>2022/7/22</a:t>
             </a:fld>
             <a:endParaRPr lang="zh-TW" altLang="en-US"/>
           </a:p>
@@ -1789,7 +1789,7 @@
             <a:fld id="{DF863F05-2DD9-4EB1-A827-12FD992DE9DC}" type="datetime1">
               <a:rPr lang="zh-TW" altLang="en-US" smtClean="0"/>
               <a:pPr/>
-              <a:t>2022/7/10</a:t>
+              <a:t>2022/7/22</a:t>
             </a:fld>
             <a:endParaRPr lang="zh-TW" altLang="en-US"/>
           </a:p>
@@ -2205,7 +2205,7 @@
             <a:fld id="{6339AF51-4491-4873-A096-75DB6CE47516}" type="datetime1">
               <a:rPr lang="zh-TW" altLang="en-US" smtClean="0"/>
               <a:pPr/>
-              <a:t>2022/7/10</a:t>
+              <a:t>2022/7/22</a:t>
             </a:fld>
             <a:endParaRPr lang="zh-TW" altLang="en-US"/>
           </a:p>
@@ -2319,7 +2319,7 @@
             <a:fld id="{EE4AD9C8-8B9E-40FF-ABE2-858AC2057BBB}" type="datetime1">
               <a:rPr lang="zh-TW" altLang="en-US" smtClean="0"/>
               <a:pPr/>
-              <a:t>2022/7/10</a:t>
+              <a:t>2022/7/22</a:t>
             </a:fld>
             <a:endParaRPr lang="zh-TW" altLang="en-US"/>
           </a:p>
@@ -2411,7 +2411,7 @@
             <a:fld id="{B4784999-BBBE-4BE4-A8D0-877E7D1D66CC}" type="datetime1">
               <a:rPr lang="zh-TW" altLang="en-US" smtClean="0"/>
               <a:pPr/>
-              <a:t>2022/7/10</a:t>
+              <a:t>2022/7/22</a:t>
             </a:fld>
             <a:endParaRPr lang="zh-TW" altLang="en-US"/>
           </a:p>
@@ -2683,7 +2683,7 @@
             <a:fld id="{E88D17E6-02BD-4944-B9FE-7BFCCBF83D48}" type="datetime1">
               <a:rPr lang="zh-TW" altLang="en-US" smtClean="0"/>
               <a:pPr/>
-              <a:t>2022/7/10</a:t>
+              <a:t>2022/7/22</a:t>
             </a:fld>
             <a:endParaRPr lang="zh-TW" altLang="en-US"/>
           </a:p>
@@ -2932,7 +2932,7 @@
             <a:fld id="{3C13E23D-1FEF-4D78-A3A3-3D6F2BB31954}" type="datetime1">
               <a:rPr lang="zh-TW" altLang="en-US" smtClean="0"/>
               <a:pPr/>
-              <a:t>2022/7/10</a:t>
+              <a:t>2022/7/22</a:t>
             </a:fld>
             <a:endParaRPr lang="zh-TW" altLang="en-US"/>
           </a:p>
@@ -3140,7 +3140,7 @@
             <a:fld id="{06197F35-AD6F-4594-8B50-334492D2E7E8}" type="datetime1">
               <a:rPr lang="zh-TW" altLang="en-US" smtClean="0"/>
               <a:pPr/>
-              <a:t>2022/7/10</a:t>
+              <a:t>2022/7/22</a:t>
             </a:fld>
             <a:endParaRPr lang="zh-TW" altLang="en-US"/>
           </a:p>
@@ -3602,7 +3602,7 @@
             <a:fld id="{C389EDC9-19E3-47AC-9C57-C6A24DEA81AD}" type="datetime1">
               <a:rPr lang="zh-TW" altLang="en-US" smtClean="0"/>
               <a:pPr/>
-              <a:t>2022/7/10</a:t>
+              <a:t>2022/7/22</a:t>
             </a:fld>
             <a:endParaRPr lang="zh-TW" altLang="en-US"/>
           </a:p>
@@ -4149,7 +4149,7 @@
             <a:fld id="{A4F910E6-8D00-4BAF-8C48-9688E0B449D3}" type="datetime1">
               <a:rPr lang="zh-TW" altLang="en-US" smtClean="0"/>
               <a:pPr/>
-              <a:t>2022/7/10</a:t>
+              <a:t>2022/7/22</a:t>
             </a:fld>
             <a:endParaRPr lang="zh-TW" altLang="en-US"/>
           </a:p>
@@ -4506,14 +4506,8 @@
                   <a:srgbClr val="3C3B37"/>
                 </a:solidFill>
               </a:rPr>
-              <a:t>12. unittest</a:t>
-            </a:r>
-            <a:endParaRPr lang="en-US" sz="1800" i="0" dirty="0">
-              <a:solidFill>
-                <a:srgbClr val="3C3B37"/>
-              </a:solidFill>
-              <a:effectLst/>
-            </a:endParaRPr>
+              <a:t>12. unittest and pytest</a:t>
+            </a:r>
           </a:p>
           <a:p>
             <a:pPr marL="465138" indent="-465138" algn="l">
@@ -4529,7 +4523,7 @@
                   <a:srgbClr val="3C3B37"/>
                 </a:solidFill>
               </a:rPr>
-              <a:t>13. pytest</a:t>
+              <a:t>13. Cython and docker Part 1</a:t>
             </a:r>
           </a:p>
           <a:p>
@@ -4546,8 +4540,21 @@
                   <a:srgbClr val="3C3B37"/>
                 </a:solidFill>
               </a:rPr>
-              <a:t>14. docker</a:t>
-            </a:r>
+              <a:t>14. </a:t>
+            </a:r>
+            <a:r>
+              <a:rPr lang="en-US" sz="1800">
+                <a:solidFill>
+                  <a:srgbClr val="3C3B37"/>
+                </a:solidFill>
+              </a:rPr>
+              <a:t>docker Part 2</a:t>
+            </a:r>
+            <a:endParaRPr lang="en-US" sz="1800" dirty="0">
+              <a:solidFill>
+                <a:srgbClr val="3C3B37"/>
+              </a:solidFill>
+            </a:endParaRPr>
           </a:p>
           <a:p>
             <a:pPr marL="465138" indent="-465138" algn="l">
@@ -4564,16 +4571,7 @@
                 </a:solidFill>
                 <a:effectLst/>
               </a:rPr>
-              <a:t>15. Git, GitHub, GitLab, </a:t>
-            </a:r>
-            <a:r>
-              <a:rPr lang="en-US" sz="1800" b="0" i="0">
-                <a:solidFill>
-                  <a:srgbClr val="3A3A3A"/>
-                </a:solidFill>
-                <a:effectLst/>
-              </a:rPr>
-              <a:t>and gitlab-runner CI/CD</a:t>
+              <a:t>15. Git, GitHub, GitLab, and gitlab-runner CI/CD</a:t>
             </a:r>
             <a:endParaRPr lang="en-US" sz="1800" dirty="0">
               <a:solidFill>
@@ -4674,7 +4672,7 @@
             <a:fld id="{A4F910E6-8D00-4BAF-8C48-9688E0B449D3}" type="datetime1">
               <a:rPr lang="zh-TW" altLang="en-US" smtClean="0"/>
               <a:pPr/>
-              <a:t>2022/7/10</a:t>
+              <a:t>2022/7/22</a:t>
             </a:fld>
             <a:endParaRPr lang="zh-TW" altLang="en-US"/>
           </a:p>
@@ -5360,7 +5358,7 @@
             <a:fld id="{A4F910E6-8D00-4BAF-8C48-9688E0B449D3}" type="datetime1">
               <a:rPr lang="zh-TW" altLang="en-US" smtClean="0"/>
               <a:pPr/>
-              <a:t>2022/7/10</a:t>
+              <a:t>2022/7/22</a:t>
             </a:fld>
             <a:endParaRPr lang="zh-TW" altLang="en-US"/>
           </a:p>
@@ -5711,7 +5709,7 @@
             <a:fld id="{A4F910E6-8D00-4BAF-8C48-9688E0B449D3}" type="datetime1">
               <a:rPr lang="zh-TW" altLang="en-US" smtClean="0"/>
               <a:pPr/>
-              <a:t>2022/7/10</a:t>
+              <a:t>2022/7/22</a:t>
             </a:fld>
             <a:endParaRPr lang="zh-TW" altLang="en-US"/>
           </a:p>
@@ -5858,7 +5856,7 @@
             <a:fld id="{4E46BE27-E923-4EC2-B046-3272AE2A3E5C}" type="datetime1">
               <a:rPr lang="zh-TW" altLang="en-US" smtClean="0"/>
               <a:pPr/>
-              <a:t>2022/7/10</a:t>
+              <a:t>2022/7/22</a:t>
             </a:fld>
             <a:endParaRPr lang="zh-TW" altLang="en-US"/>
           </a:p>
